--- a/slides/iddb_mid.pptx
+++ b/slides/iddb_mid.pptx
@@ -250,7 +250,7 @@
             <a:fld id="{9175845F-7813-4162-8E43-89DCBF023BA5}" type="datetimeFigureOut">
               <a:rPr lang="de-DE" smtClean="0"/>
               <a:pPr/>
-              <a:t>10.11.20</a:t>
+              <a:t>11.11.20</a:t>
             </a:fld>
             <a:endParaRPr lang="de-DE"/>
           </a:p>
@@ -438,7 +438,7 @@
               <a:pPr>
                 <a:defRPr/>
               </a:pPr>
-              <a:t>11/10/20</a:t>
+              <a:t>11/11/20</a:t>
             </a:fld>
             <a:endParaRPr lang="en-US"/>
           </a:p>
@@ -5586,7 +5586,7 @@
           <a:graphicData uri="http://schemas.openxmlformats.org/presentationml/2006/ole">
             <mc:AlternateContent xmlns:mc="http://schemas.openxmlformats.org/markup-compatibility/2006">
               <mc:Choice xmlns:v="urn:schemas-microsoft-com:vml" Requires="v">
-                <p:oleObj spid="_x0000_s1029" r:id="rId4" imgW="9843770" imgH="5170170" progId="Visio.Drawing.11">
+                <p:oleObj spid="_x0000_s1032" r:id="rId4" imgW="9843770" imgH="5170170" progId="Visio.Drawing.11">
                   <p:embed/>
                 </p:oleObj>
               </mc:Choice>
@@ -5737,7 +5737,7 @@
         <p:spPr>
           <a:xfrm>
             <a:off x="951230" y="1532890"/>
-            <a:ext cx="5196205" cy="4972050"/>
+            <a:ext cx="5196205" cy="4941353"/>
           </a:xfrm>
           <a:prstGeom prst="rect">
             <a:avLst/>
@@ -5758,7 +5758,7 @@
               <a:buAutoNum type="circleNumDbPlain"/>
             </a:pPr>
             <a:r>
-              <a:rPr lang="zh-CN" altLang="en-US" sz="2400">
+              <a:rPr lang="zh-CN" altLang="en-US" sz="2400" dirty="0">
                 <a:sym typeface="+mn-ea"/>
               </a:rPr>
               <a:t>分片信息</a:t>
@@ -5773,13 +5773,13 @@
               <a:buNone/>
             </a:pPr>
             <a:r>
-              <a:rPr lang="en-US" altLang="zh-CN" sz="2000">
+              <a:rPr lang="en-US" altLang="zh-CN" sz="2000" dirty="0">
                 <a:sym typeface="+mn-ea"/>
               </a:rPr>
               <a:t>     </a:t>
             </a:r>
             <a:r>
-              <a:rPr lang="en-US" altLang="zh-CN" sz="2000">
+              <a:rPr lang="en-US" altLang="zh-CN" sz="2000" dirty="0">
                 <a:solidFill>
                   <a:srgbClr val="C00000"/>
                 </a:solidFill>
@@ -5787,7 +5787,7 @@
               </a:rPr>
               <a:t> \Book</a:t>
             </a:r>
-            <a:endParaRPr lang="en-US" altLang="zh-CN" sz="2000">
+            <a:endParaRPr lang="en-US" altLang="zh-CN" sz="2000" dirty="0">
               <a:sym typeface="+mn-ea"/>
             </a:endParaRPr>
           </a:p>
@@ -5800,10 +5800,22 @@
               <a:buNone/>
             </a:pPr>
             <a:r>
-              <a:rPr lang="en-US" altLang="zh-CN" sz="2000">
-                <a:sym typeface="+mn-ea"/>
-              </a:rPr>
-              <a:t>	- fiagment_num: 3</a:t>
+              <a:rPr lang="en-US" altLang="zh-CN" sz="2000" dirty="0">
+                <a:sym typeface="+mn-ea"/>
+              </a:rPr>
+              <a:t>	- </a:t>
+            </a:r>
+            <a:r>
+              <a:rPr lang="en-US" altLang="zh-CN" sz="2000" dirty="0" err="1">
+                <a:sym typeface="+mn-ea"/>
+              </a:rPr>
+              <a:t>fiagment_num</a:t>
+            </a:r>
+            <a:r>
+              <a:rPr lang="en-US" altLang="zh-CN" sz="2000" dirty="0">
+                <a:sym typeface="+mn-ea"/>
+              </a:rPr>
+              <a:t>: 3</a:t>
             </a:r>
           </a:p>
           <a:p>
@@ -5815,13 +5827,13 @@
               <a:buNone/>
             </a:pPr>
             <a:r>
-              <a:rPr lang="en-US" altLang="zh-CN" sz="2000">
+              <a:rPr lang="en-US" altLang="zh-CN" sz="2000" dirty="0">
                 <a:sym typeface="+mn-ea"/>
               </a:rPr>
               <a:t>	</a:t>
             </a:r>
             <a:r>
-              <a:rPr lang="en-US" altLang="zh-CN" sz="2000">
+              <a:rPr lang="en-US" altLang="zh-CN" sz="2000" dirty="0">
                 <a:solidFill>
                   <a:srgbClr val="C00000"/>
                 </a:solidFill>
@@ -5829,7 +5841,7 @@
               </a:rPr>
               <a:t>\Book_1</a:t>
             </a:r>
-            <a:endParaRPr lang="en-US" altLang="zh-CN" sz="2000">
+            <a:endParaRPr lang="en-US" altLang="zh-CN" sz="2000" dirty="0">
               <a:sym typeface="+mn-ea"/>
             </a:endParaRPr>
           </a:p>
@@ -5842,13 +5854,13 @@
               <a:buNone/>
             </a:pPr>
             <a:r>
-              <a:rPr lang="en-US" altLang="zh-CN" sz="2000">
+              <a:rPr lang="en-US" altLang="zh-CN" sz="2000" dirty="0">
                 <a:sym typeface="+mn-ea"/>
               </a:rPr>
               <a:t>	     - </a:t>
             </a:r>
             <a:r>
-              <a:rPr lang="en-US" altLang="zh-CN" sz="2000">
+              <a:rPr lang="en-US" altLang="zh-CN" sz="2000" dirty="0" err="1">
                 <a:solidFill>
                   <a:srgbClr val="C00000"/>
                 </a:solidFill>
@@ -5857,11 +5869,20 @@
               <a:t>Site_id</a:t>
             </a:r>
             <a:r>
-              <a:rPr lang="en-US" altLang="zh-CN" sz="2000">
-                <a:sym typeface="+mn-ea"/>
-              </a:rPr>
-              <a:t>:  site_x</a:t>
-            </a:r>
+              <a:rPr lang="en-US" altLang="zh-CN" sz="2000" dirty="0">
+                <a:sym typeface="+mn-ea"/>
+              </a:rPr>
+              <a:t>:  </a:t>
+            </a:r>
+            <a:r>
+              <a:rPr lang="en-US" altLang="zh-CN" sz="2000" dirty="0" err="1">
+                <a:sym typeface="+mn-ea"/>
+              </a:rPr>
+              <a:t>site_x</a:t>
+            </a:r>
+            <a:endParaRPr lang="en-US" altLang="zh-CN" sz="2000" dirty="0">
+              <a:sym typeface="+mn-ea"/>
+            </a:endParaRPr>
           </a:p>
           <a:p>
             <a:pPr lvl="1" indent="0" fontAlgn="auto">
@@ -5872,13 +5893,13 @@
               <a:buNone/>
             </a:pPr>
             <a:r>
-              <a:rPr lang="en-US" altLang="zh-CN" sz="2000">
+              <a:rPr lang="en-US" altLang="zh-CN" sz="2000" dirty="0">
                 <a:sym typeface="+mn-ea"/>
               </a:rPr>
               <a:t>	     -</a:t>
             </a:r>
             <a:r>
-              <a:rPr lang="en-US" altLang="zh-CN" sz="2000">
+              <a:rPr lang="en-US" altLang="zh-CN" sz="2000" dirty="0">
                 <a:solidFill>
                   <a:srgbClr val="C00000"/>
                 </a:solidFill>
@@ -5887,7 +5908,7 @@
               <a:t> Ip</a:t>
             </a:r>
             <a:r>
-              <a:rPr lang="en-US" altLang="zh-CN" sz="2000">
+              <a:rPr lang="en-US" altLang="zh-CN" sz="2000" dirty="0">
                 <a:sym typeface="+mn-ea"/>
               </a:rPr>
               <a:t>: 10.77.70.xxx</a:t>
@@ -5902,13 +5923,13 @@
               <a:buNone/>
             </a:pPr>
             <a:r>
-              <a:rPr lang="en-US" altLang="zh-CN" sz="2000">
+              <a:rPr lang="en-US" altLang="zh-CN" sz="2000" dirty="0">
                 <a:sym typeface="+mn-ea"/>
               </a:rPr>
               <a:t>	     - </a:t>
             </a:r>
             <a:r>
-              <a:rPr lang="en-US" altLang="zh-CN" sz="2000">
+              <a:rPr lang="en-US" altLang="zh-CN" sz="2000" dirty="0">
                 <a:solidFill>
                   <a:srgbClr val="C00000"/>
                 </a:solidFill>
@@ -5917,7 +5938,7 @@
               <a:t>Size</a:t>
             </a:r>
             <a:r>
-              <a:rPr lang="en-US" altLang="zh-CN" sz="2000">
+              <a:rPr lang="en-US" altLang="zh-CN" sz="2000" dirty="0">
                 <a:sym typeface="+mn-ea"/>
               </a:rPr>
               <a:t>: 10K</a:t>
@@ -5932,13 +5953,13 @@
               <a:buNone/>
             </a:pPr>
             <a:r>
-              <a:rPr lang="en-US" altLang="zh-CN" sz="2000">
+              <a:rPr lang="en-US" altLang="zh-CN" sz="2000" dirty="0">
                 <a:sym typeface="+mn-ea"/>
               </a:rPr>
               <a:t>	     - </a:t>
             </a:r>
             <a:r>
-              <a:rPr lang="en-US" altLang="zh-CN" sz="2000">
+              <a:rPr lang="en-US" altLang="zh-CN" sz="2000" dirty="0">
                 <a:solidFill>
                   <a:srgbClr val="C00000"/>
                 </a:solidFill>
@@ -5947,10 +5968,40 @@
               <a:t>Detail</a:t>
             </a:r>
             <a:r>
-              <a:rPr lang="en-US" altLang="zh-CN" sz="2000">
+              <a:rPr lang="en-US" altLang="zh-CN" sz="2000" dirty="0">
                 <a:sym typeface="+mn-ea"/>
               </a:rPr>
               <a:t>: id &lt; 205000</a:t>
+            </a:r>
+          </a:p>
+          <a:p>
+            <a:pPr lvl="1" indent="0" fontAlgn="auto">
+              <a:lnSpc>
+                <a:spcPct val="130000"/>
+              </a:lnSpc>
+              <a:buFont typeface="+mj-ea"/>
+              <a:buNone/>
+            </a:pPr>
+            <a:r>
+              <a:rPr lang="en-US" altLang="zh-CN" sz="2000" dirty="0">
+                <a:sym typeface="+mn-ea"/>
+              </a:rPr>
+              <a:t>	     - </a:t>
+            </a:r>
+            <a:r>
+              <a:rPr lang="en-US" altLang="zh-CN" sz="2000" dirty="0">
+                <a:solidFill>
+                  <a:srgbClr val="C00000"/>
+                </a:solidFill>
+                <a:sym typeface="+mn-ea"/>
+              </a:rPr>
+              <a:t>Type</a:t>
+            </a:r>
+            <a:r>
+              <a:rPr lang="en-US" altLang="zh-CN" sz="2000" dirty="0">
+                <a:sym typeface="+mn-ea"/>
+              </a:rPr>
+              <a:t>: H</a:t>
             </a:r>
           </a:p>
           <a:p>
@@ -5962,7 +6013,7 @@
               <a:buNone/>
             </a:pPr>
             <a:r>
-              <a:rPr lang="en-US" altLang="zh-CN" sz="2000">
+              <a:rPr lang="en-US" altLang="zh-CN" sz="2000" dirty="0">
                 <a:sym typeface="+mn-ea"/>
               </a:rPr>
               <a:t>\Book_2</a:t>
@@ -5977,7 +6028,7 @@
               <a:buNone/>
             </a:pPr>
             <a:r>
-              <a:rPr lang="en-US" altLang="zh-CN" sz="2000">
+              <a:rPr lang="en-US" altLang="zh-CN" sz="2000" dirty="0">
                 <a:sym typeface="+mn-ea"/>
               </a:rPr>
               <a:t>     ...</a:t>
@@ -5992,25 +6043,10 @@
               <a:buNone/>
             </a:pPr>
             <a:r>
-              <a:rPr lang="en-US" altLang="zh-CN" sz="2000">
-                <a:sym typeface="+mn-ea"/>
-              </a:rPr>
-              <a:t>\Book_3</a:t>
-            </a:r>
-          </a:p>
-          <a:p>
-            <a:pPr lvl="2" indent="0" fontAlgn="auto">
-              <a:lnSpc>
-                <a:spcPct val="130000"/>
-              </a:lnSpc>
-              <a:buFont typeface="+mj-ea"/>
-              <a:buNone/>
-            </a:pPr>
-            <a:r>
-              <a:rPr lang="en-US" altLang="zh-CN" sz="2000">
-                <a:sym typeface="+mn-ea"/>
-              </a:rPr>
-              <a:t>    ...</a:t>
+              <a:rPr lang="en-US" altLang="zh-CN" sz="2000" dirty="0">
+                <a:sym typeface="+mn-ea"/>
+              </a:rPr>
+              <a:t>…</a:t>
             </a:r>
           </a:p>
         </p:txBody>
@@ -6344,7 +6380,7 @@
               <a:buNone/>
             </a:pPr>
             <a:r>
-              <a:rPr lang="zh-CN" altLang="en-US" sz="2400">
+              <a:rPr lang="zh-CN" altLang="en-US" sz="2400" dirty="0">
                 <a:latin typeface="Calibri" charset="0"/>
                 <a:ea typeface="Calibri" charset="0"/>
                 <a:sym typeface="+mn-ea"/>
@@ -6352,7 +6388,7 @@
               <a:t>② </a:t>
             </a:r>
             <a:r>
-              <a:rPr lang="zh-CN" altLang="en-US" sz="2400">
+              <a:rPr lang="zh-CN" altLang="en-US" sz="2400" dirty="0">
                 <a:sym typeface="+mn-ea"/>
               </a:rPr>
               <a:t>执行计划信息</a:t>
@@ -6367,7 +6403,7 @@
               <a:buNone/>
             </a:pPr>
             <a:r>
-              <a:rPr lang="en-US" altLang="zh-CN" sz="2000">
+              <a:rPr lang="en-US" altLang="zh-CN" sz="2000" dirty="0">
                 <a:solidFill>
                   <a:srgbClr val="C00000"/>
                 </a:solidFill>
@@ -6375,7 +6411,7 @@
               </a:rPr>
               <a:t>/Tree_1</a:t>
             </a:r>
-            <a:endParaRPr lang="en-US" altLang="zh-CN" sz="2000">
+            <a:endParaRPr lang="en-US" altLang="zh-CN" sz="2000" dirty="0">
               <a:sym typeface="+mn-ea"/>
             </a:endParaRPr>
           </a:p>
@@ -6388,10 +6424,22 @@
               <a:buNone/>
             </a:pPr>
             <a:r>
-              <a:rPr lang="en-US" altLang="zh-CN" sz="2000">
-                <a:sym typeface="+mn-ea"/>
-              </a:rPr>
-              <a:t>      - Node_num: 10</a:t>
+              <a:rPr lang="en-US" altLang="zh-CN" sz="2000" dirty="0">
+                <a:sym typeface="+mn-ea"/>
+              </a:rPr>
+              <a:t>      - </a:t>
+            </a:r>
+            <a:r>
+              <a:rPr lang="en-US" altLang="zh-CN" sz="2000" dirty="0" err="1">
+                <a:sym typeface="+mn-ea"/>
+              </a:rPr>
+              <a:t>Node_num</a:t>
+            </a:r>
+            <a:r>
+              <a:rPr lang="en-US" altLang="zh-CN" sz="2000" dirty="0">
+                <a:sym typeface="+mn-ea"/>
+              </a:rPr>
+              <a:t>: 10</a:t>
             </a:r>
           </a:p>
           <a:p>
@@ -6403,13 +6451,13 @@
               <a:buNone/>
             </a:pPr>
             <a:r>
-              <a:rPr lang="en-US" altLang="zh-CN" sz="2000">
+              <a:rPr lang="en-US" altLang="zh-CN" sz="2000" dirty="0">
                 <a:sym typeface="+mn-ea"/>
               </a:rPr>
               <a:t>     </a:t>
             </a:r>
             <a:r>
-              <a:rPr lang="en-US" altLang="zh-CN" sz="2000">
+              <a:rPr lang="en-US" altLang="zh-CN" sz="2000" dirty="0">
                 <a:solidFill>
                   <a:srgbClr val="C00000"/>
                 </a:solidFill>
@@ -6417,7 +6465,7 @@
               </a:rPr>
               <a:t> /Node_1</a:t>
             </a:r>
-            <a:endParaRPr lang="en-US" altLang="zh-CN" sz="2000">
+            <a:endParaRPr lang="en-US" altLang="zh-CN" sz="2000" dirty="0">
               <a:sym typeface="+mn-ea"/>
             </a:endParaRPr>
           </a:p>
@@ -6430,11 +6478,20 @@
               <a:buNone/>
             </a:pPr>
             <a:r>
-              <a:rPr lang="en-US" altLang="zh-CN" sz="2000">
-                <a:sym typeface="+mn-ea"/>
-              </a:rPr>
-              <a:t>	- left: Node_x</a:t>
-            </a:r>
+              <a:rPr lang="en-US" altLang="zh-CN" sz="2000" dirty="0">
+                <a:sym typeface="+mn-ea"/>
+              </a:rPr>
+              <a:t>	- left: </a:t>
+            </a:r>
+            <a:r>
+              <a:rPr lang="en-US" altLang="zh-CN" sz="2000" dirty="0" err="1">
+                <a:sym typeface="+mn-ea"/>
+              </a:rPr>
+              <a:t>Node_x</a:t>
+            </a:r>
+            <a:endParaRPr lang="en-US" altLang="zh-CN" sz="2000" dirty="0">
+              <a:sym typeface="+mn-ea"/>
+            </a:endParaRPr>
           </a:p>
           <a:p>
             <a:pPr fontAlgn="auto">
@@ -6445,11 +6502,20 @@
               <a:buNone/>
             </a:pPr>
             <a:r>
-              <a:rPr lang="en-US" altLang="zh-CN" sz="2000">
-                <a:sym typeface="+mn-ea"/>
-              </a:rPr>
-              <a:t>	- right: Node_x</a:t>
-            </a:r>
+              <a:rPr lang="en-US" altLang="zh-CN" sz="2000" dirty="0">
+                <a:sym typeface="+mn-ea"/>
+              </a:rPr>
+              <a:t>	- right: </a:t>
+            </a:r>
+            <a:r>
+              <a:rPr lang="en-US" altLang="zh-CN" sz="2000" dirty="0" err="1">
+                <a:sym typeface="+mn-ea"/>
+              </a:rPr>
+              <a:t>Node_x</a:t>
+            </a:r>
+            <a:endParaRPr lang="en-US" altLang="zh-CN" sz="2000" dirty="0">
+              <a:sym typeface="+mn-ea"/>
+            </a:endParaRPr>
           </a:p>
           <a:p>
             <a:pPr fontAlgn="auto">
@@ -6460,10 +6526,22 @@
               <a:buNone/>
             </a:pPr>
             <a:r>
-              <a:rPr lang="en-US" altLang="zh-CN" sz="2000">
-                <a:sym typeface="+mn-ea"/>
-              </a:rPr>
-              <a:t>	- parent: Node_x  </a:t>
+              <a:rPr lang="en-US" altLang="zh-CN" sz="2000" dirty="0">
+                <a:sym typeface="+mn-ea"/>
+              </a:rPr>
+              <a:t>	- parent: </a:t>
+            </a:r>
+            <a:r>
+              <a:rPr lang="en-US" altLang="zh-CN" sz="2000" dirty="0" err="1">
+                <a:sym typeface="+mn-ea"/>
+              </a:rPr>
+              <a:t>Node_x</a:t>
+            </a:r>
+            <a:r>
+              <a:rPr lang="en-US" altLang="zh-CN" sz="2000" dirty="0">
+                <a:sym typeface="+mn-ea"/>
+              </a:rPr>
+              <a:t>  </a:t>
             </a:r>
           </a:p>
           <a:p>
@@ -6475,7 +6553,7 @@
               <a:buNone/>
             </a:pPr>
             <a:r>
-              <a:rPr lang="en-US" altLang="zh-CN" sz="2000">
+              <a:rPr lang="en-US" altLang="zh-CN" sz="2000" dirty="0">
                 <a:sym typeface="+mn-ea"/>
               </a:rPr>
               <a:t>	- status: done or wait </a:t>
@@ -6490,7 +6568,7 @@
               <a:buNone/>
             </a:pPr>
             <a:r>
-              <a:rPr lang="en-US" altLang="zh-CN" sz="2000">
+              <a:rPr lang="en-US" altLang="zh-CN" sz="2000" dirty="0">
                 <a:sym typeface="+mn-ea"/>
               </a:rPr>
               <a:t>	- type: data or select or union... 	</a:t>
@@ -6505,11 +6583,32 @@
               <a:buNone/>
             </a:pPr>
             <a:r>
-              <a:rPr lang="en-US" altLang="zh-CN" sz="2000">
-                <a:sym typeface="+mn-ea"/>
-              </a:rPr>
-              <a:t>	- tmp_table: temp_x</a:t>
-            </a:r>
+              <a:rPr lang="en-US" altLang="zh-CN" sz="2000" dirty="0">
+                <a:sym typeface="+mn-ea"/>
+              </a:rPr>
+              <a:t>	- </a:t>
+            </a:r>
+            <a:r>
+              <a:rPr lang="en-US" altLang="zh-CN" sz="2000" dirty="0" err="1">
+                <a:sym typeface="+mn-ea"/>
+              </a:rPr>
+              <a:t>tmp_table</a:t>
+            </a:r>
+            <a:r>
+              <a:rPr lang="en-US" altLang="zh-CN" sz="2000" dirty="0">
+                <a:sym typeface="+mn-ea"/>
+              </a:rPr>
+              <a:t>: </a:t>
+            </a:r>
+            <a:r>
+              <a:rPr lang="en-US" altLang="zh-CN" sz="2000" dirty="0" err="1">
+                <a:sym typeface="+mn-ea"/>
+              </a:rPr>
+              <a:t>temp_x</a:t>
+            </a:r>
+            <a:endParaRPr lang="en-US" altLang="zh-CN" sz="2000" dirty="0">
+              <a:sym typeface="+mn-ea"/>
+            </a:endParaRPr>
           </a:p>
           <a:p>
             <a:pPr fontAlgn="auto">
@@ -6520,11 +6619,20 @@
               <a:buNone/>
             </a:pPr>
             <a:r>
-              <a:rPr lang="en-US" altLang="zh-CN" sz="2000">
-                <a:sym typeface="+mn-ea"/>
-              </a:rPr>
-              <a:t>	- locate: site_x</a:t>
-            </a:r>
+              <a:rPr lang="en-US" altLang="zh-CN" sz="2000" dirty="0">
+                <a:sym typeface="+mn-ea"/>
+              </a:rPr>
+              <a:t>	- locate: </a:t>
+            </a:r>
+            <a:r>
+              <a:rPr lang="en-US" altLang="zh-CN" sz="2000" dirty="0" err="1">
+                <a:sym typeface="+mn-ea"/>
+              </a:rPr>
+              <a:t>site_x</a:t>
+            </a:r>
+            <a:endParaRPr lang="en-US" altLang="zh-CN" sz="2000" dirty="0">
+              <a:sym typeface="+mn-ea"/>
+            </a:endParaRPr>
           </a:p>
         </p:txBody>
       </p:sp>
@@ -6558,10 +6666,22 @@
               <a:buNone/>
             </a:pPr>
             <a:r>
-              <a:rPr lang="en-US" altLang="zh-CN" sz="2000">
-                <a:sym typeface="+mn-ea"/>
-              </a:rPr>
-              <a:t>	- if_transfer: Y</a:t>
+              <a:rPr lang="en-US" altLang="zh-CN" sz="2000" dirty="0">
+                <a:sym typeface="+mn-ea"/>
+              </a:rPr>
+              <a:t>	- </a:t>
+            </a:r>
+            <a:r>
+              <a:rPr lang="en-US" altLang="zh-CN" sz="2000" dirty="0" err="1">
+                <a:sym typeface="+mn-ea"/>
+              </a:rPr>
+              <a:t>if_transfer</a:t>
+            </a:r>
+            <a:r>
+              <a:rPr lang="en-US" altLang="zh-CN" sz="2000" dirty="0">
+                <a:sym typeface="+mn-ea"/>
+              </a:rPr>
+              <a:t>: Y</a:t>
             </a:r>
           </a:p>
           <a:p>
@@ -6573,11 +6693,56 @@
               <a:buNone/>
             </a:pPr>
             <a:r>
-              <a:rPr lang="en-US" altLang="zh-CN" sz="2000">
-                <a:sym typeface="+mn-ea"/>
-              </a:rPr>
-              <a:t>	- dest: site_x or node_x or ip</a:t>
-            </a:r>
+              <a:rPr lang="en-US" altLang="zh-CN" sz="2000" dirty="0">
+                <a:sym typeface="+mn-ea"/>
+              </a:rPr>
+              <a:t>	- </a:t>
+            </a:r>
+            <a:r>
+              <a:rPr lang="en-US" altLang="zh-CN" sz="2000" dirty="0" err="1">
+                <a:sym typeface="+mn-ea"/>
+              </a:rPr>
+              <a:t>dest</a:t>
+            </a:r>
+            <a:r>
+              <a:rPr lang="en-US" altLang="zh-CN" sz="2000" dirty="0">
+                <a:sym typeface="+mn-ea"/>
+              </a:rPr>
+              <a:t>: </a:t>
+            </a:r>
+            <a:r>
+              <a:rPr lang="en-US" altLang="zh-CN" sz="2000" dirty="0" err="1">
+                <a:sym typeface="+mn-ea"/>
+              </a:rPr>
+              <a:t>site_x</a:t>
+            </a:r>
+            <a:r>
+              <a:rPr lang="en-US" altLang="zh-CN" sz="2000" dirty="0">
+                <a:sym typeface="+mn-ea"/>
+              </a:rPr>
+              <a:t> or </a:t>
+            </a:r>
+            <a:r>
+              <a:rPr lang="en-US" altLang="zh-CN" sz="2000" dirty="0" err="1">
+                <a:sym typeface="+mn-ea"/>
+              </a:rPr>
+              <a:t>node_x</a:t>
+            </a:r>
+            <a:r>
+              <a:rPr lang="en-US" altLang="zh-CN" sz="2000" dirty="0">
+                <a:sym typeface="+mn-ea"/>
+              </a:rPr>
+              <a:t> or </a:t>
+            </a:r>
+            <a:r>
+              <a:rPr lang="en-US" altLang="zh-CN" sz="2000" dirty="0" err="1">
+                <a:sym typeface="+mn-ea"/>
+              </a:rPr>
+              <a:t>ip</a:t>
+            </a:r>
+            <a:endParaRPr lang="en-US" altLang="zh-CN" sz="2000" dirty="0">
+              <a:sym typeface="+mn-ea"/>
+            </a:endParaRPr>
           </a:p>
           <a:p>
             <a:pPr fontAlgn="auto">
@@ -6588,7 +6753,7 @@
               <a:buNone/>
             </a:pPr>
             <a:r>
-              <a:rPr lang="en-US" altLang="zh-CN" sz="2000">
+              <a:rPr lang="en-US" altLang="zh-CN" sz="2000" dirty="0">
                 <a:sym typeface="+mn-ea"/>
               </a:rPr>
               <a:t>	- detail: id = 200000 ...</a:t>
@@ -6603,13 +6768,13 @@
               <a:buNone/>
             </a:pPr>
             <a:r>
-              <a:rPr lang="en-US" altLang="zh-CN" sz="2000">
+              <a:rPr lang="en-US" altLang="zh-CN" sz="2000" dirty="0">
                 <a:sym typeface="+mn-ea"/>
               </a:rPr>
               <a:t>      </a:t>
             </a:r>
             <a:r>
-              <a:rPr lang="en-US" altLang="zh-CN" sz="2000">
+              <a:rPr lang="en-US" altLang="zh-CN" sz="2000" dirty="0">
                 <a:solidFill>
                   <a:srgbClr val="C00000"/>
                 </a:solidFill>
@@ -6617,7 +6782,7 @@
               </a:rPr>
               <a:t>/Node_2</a:t>
             </a:r>
-            <a:endParaRPr lang="en-US" altLang="zh-CN" sz="2000">
+            <a:endParaRPr lang="en-US" altLang="zh-CN" sz="2000" dirty="0">
               <a:sym typeface="+mn-ea"/>
             </a:endParaRPr>
           </a:p>
@@ -6630,7 +6795,7 @@
               <a:buNone/>
             </a:pPr>
             <a:r>
-              <a:rPr lang="en-US" altLang="zh-CN" sz="2000">
+              <a:rPr lang="en-US" altLang="zh-CN" sz="2000" dirty="0">
                 <a:sym typeface="+mn-ea"/>
               </a:rPr>
               <a:t>	...</a:t>
@@ -6645,7 +6810,7 @@
               <a:buNone/>
             </a:pPr>
             <a:r>
-              <a:rPr lang="en-US" altLang="zh-CN" sz="2000">
+              <a:rPr lang="en-US" altLang="zh-CN" sz="2000" dirty="0">
                 <a:sym typeface="+mn-ea"/>
               </a:rPr>
               <a:t>      ...</a:t>
@@ -6660,15 +6825,24 @@
               <a:buNone/>
             </a:pPr>
             <a:r>
-              <a:rPr lang="en-US" altLang="zh-CN" sz="2000">
+              <a:rPr lang="en-US" altLang="zh-CN" sz="2000" dirty="0">
                 <a:solidFill>
                   <a:srgbClr val="C00000"/>
                 </a:solidFill>
                 <a:sym typeface="+mn-ea"/>
               </a:rPr>
-              <a:t>     /Node_n</a:t>
-            </a:r>
-            <a:endParaRPr lang="en-US" altLang="zh-CN" sz="2000">
+              <a:t>     /</a:t>
+            </a:r>
+            <a:r>
+              <a:rPr lang="en-US" altLang="zh-CN" sz="2000" dirty="0" err="1">
+                <a:solidFill>
+                  <a:srgbClr val="C00000"/>
+                </a:solidFill>
+                <a:sym typeface="+mn-ea"/>
+              </a:rPr>
+              <a:t>Node_n</a:t>
+            </a:r>
+            <a:endParaRPr lang="en-US" altLang="zh-CN" sz="2000" dirty="0">
               <a:sym typeface="+mn-ea"/>
             </a:endParaRPr>
           </a:p>
@@ -6690,7 +6864,7 @@
           <a:graphicData uri="http://schemas.openxmlformats.org/presentationml/2006/ole">
             <mc:AlternateContent xmlns:mc="http://schemas.openxmlformats.org/markup-compatibility/2006">
               <mc:Choice xmlns:v="urn:schemas-microsoft-com:vml" Requires="v">
-                <p:oleObj spid="_x0000_s2053" r:id="rId4" imgW="9843770" imgH="5170170" progId="Visio.Drawing.11">
+                <p:oleObj spid="_x0000_s2056" r:id="rId4" imgW="9843770" imgH="5170170" progId="Visio.Drawing.11">
                   <p:embed/>
                 </p:oleObj>
               </mc:Choice>
@@ -10187,15 +10361,7 @@
             </a:r>
             <a:r>
               <a:rPr kumimoji="1" lang="zh-CN" altLang="en-US" sz="2000" dirty="0"/>
-              <a:t>深度优先遍历找到第一个状态为</a:t>
-            </a:r>
-            <a:r>
-              <a:rPr kumimoji="1" lang="en-US" altLang="zh-CN" sz="2000" dirty="0"/>
-              <a:t>ready</a:t>
-            </a:r>
-            <a:r>
-              <a:rPr kumimoji="1" lang="zh-CN" altLang="en-US" sz="2000" dirty="0"/>
-              <a:t>的在当前</a:t>
+              <a:t>深度优先遍历找到第一个可以执行的在当前</a:t>
             </a:r>
             <a:r>
               <a:rPr kumimoji="1" lang="en-US" altLang="zh-CN" sz="2000" dirty="0"/>
@@ -10317,7 +10483,7 @@
         </p:blipFill>
         <p:spPr>
           <a:xfrm>
-            <a:off x="4693402" y="1865117"/>
+            <a:off x="4949764" y="1690688"/>
             <a:ext cx="5974598" cy="3737172"/>
           </a:xfrm>
           <a:prstGeom prst="rect">
@@ -10620,7 +10786,7 @@
             </a:r>
             <a:r>
               <a:rPr kumimoji="1" lang="zh-CN" altLang="en-US" sz="2000" dirty="0"/>
-              <a:t>。以及对应的条件，收集</a:t>
+              <a:t>。以及对应的条件，即收集</a:t>
             </a:r>
             <a:r>
               <a:rPr kumimoji="1" lang="en-US" altLang="zh-CN" sz="2000" dirty="0" err="1"/>
@@ -10639,7 +10805,15 @@
             </a:pPr>
             <a:r>
               <a:rPr kumimoji="1" lang="zh-CN" altLang="en-US" sz="2000" dirty="0"/>
-              <a:t>根据操作列表收集左右子节点的数据。收集到</a:t>
+              <a:t>根据</a:t>
+            </a:r>
+            <a:r>
+              <a:rPr kumimoji="1" lang="en-US" altLang="zh-CN" sz="2000" dirty="0"/>
+              <a:t>plan</a:t>
+            </a:r>
+            <a:r>
+              <a:rPr kumimoji="1" lang="zh-CN" altLang="en-US" sz="2000" dirty="0"/>
+              <a:t>中确定要处理的数据。即</a:t>
             </a:r>
             <a:r>
               <a:rPr kumimoji="1" lang="en-US" altLang="zh-CN" sz="2000" dirty="0"/>
@@ -10797,47 +10971,200 @@
           </a:p>
         </p:txBody>
       </p:sp>
-      <p:pic>
-        <p:nvPicPr>
-          <p:cNvPr id="12" name="图片 11">
+      <p:grpSp>
+        <p:nvGrpSpPr>
+          <p:cNvPr id="6" name="组合 5">
             <a:extLst>
               <a:ext uri="{FF2B5EF4-FFF2-40B4-BE49-F238E27FC236}">
-                <a16:creationId xmlns:a16="http://schemas.microsoft.com/office/drawing/2014/main" id="{DC44518D-F9B2-4C4F-B7E2-D5663B6BE222}"/>
+                <a16:creationId xmlns:a16="http://schemas.microsoft.com/office/drawing/2014/main" id="{5E4D79EF-EDD2-DD4E-A707-EB73FB2352F4}"/>
               </a:ext>
             </a:extLst>
           </p:cNvPr>
-          <p:cNvPicPr>
-            <a:picLocks noChangeAspect="1"/>
-          </p:cNvPicPr>
+          <p:cNvGrpSpPr/>
           <p:nvPr/>
-        </p:nvPicPr>
-        <p:blipFill rotWithShape="1">
-          <a:blip r:embed="rId3" cstate="email">
-            <a:extLst>
-              <a:ext uri="{28A0092B-C50C-407E-A947-70E740481C1C}">
-                <a14:useLocalDpi xmlns:a14="http://schemas.microsoft.com/office/drawing/2010/main" val="0"/>
-              </a:ext>
-            </a:extLst>
-          </a:blip>
-          <a:srcRect r="49629"/>
-          <a:stretch/>
-        </p:blipFill>
-        <p:spPr>
+        </p:nvGrpSpPr>
+        <p:grpSpPr>
           <a:xfrm>
-            <a:off x="7552013" y="1865117"/>
-            <a:ext cx="3009456" cy="3737172"/>
-          </a:xfrm>
-          <a:prstGeom prst="rect">
-            <a:avLst/>
-          </a:prstGeom>
-        </p:spPr>
-      </p:pic>
-      <p:sp>
-        <p:nvSpPr>
-          <p:cNvPr id="13" name="矩形 12">
+            <a:off x="7318995" y="2590800"/>
+            <a:ext cx="3501405" cy="3737172"/>
+            <a:chOff x="7060064" y="1865117"/>
+            <a:chExt cx="3501405" cy="3737172"/>
+          </a:xfrm>
+        </p:grpSpPr>
+        <p:pic>
+          <p:nvPicPr>
+            <p:cNvPr id="12" name="图片 11">
+              <a:extLst>
+                <a:ext uri="{FF2B5EF4-FFF2-40B4-BE49-F238E27FC236}">
+                  <a16:creationId xmlns:a16="http://schemas.microsoft.com/office/drawing/2014/main" id="{DC44518D-F9B2-4C4F-B7E2-D5663B6BE222}"/>
+                </a:ext>
+              </a:extLst>
+            </p:cNvPr>
+            <p:cNvPicPr>
+              <a:picLocks noChangeAspect="1"/>
+            </p:cNvPicPr>
+            <p:nvPr/>
+          </p:nvPicPr>
+          <p:blipFill rotWithShape="1">
+            <a:blip r:embed="rId3" cstate="email">
+              <a:extLst>
+                <a:ext uri="{28A0092B-C50C-407E-A947-70E740481C1C}">
+                  <a14:useLocalDpi xmlns:a14="http://schemas.microsoft.com/office/drawing/2010/main" val="0"/>
+                </a:ext>
+              </a:extLst>
+            </a:blip>
+            <a:srcRect r="49629"/>
+            <a:stretch/>
+          </p:blipFill>
+          <p:spPr>
+            <a:xfrm>
+              <a:off x="7552013" y="1865117"/>
+              <a:ext cx="3009456" cy="3737172"/>
+            </a:xfrm>
+            <a:prstGeom prst="rect">
+              <a:avLst/>
+            </a:prstGeom>
+          </p:spPr>
+        </p:pic>
+        <p:sp>
+          <p:nvSpPr>
+            <p:cNvPr id="13" name="矩形 12">
+              <a:extLst>
+                <a:ext uri="{FF2B5EF4-FFF2-40B4-BE49-F238E27FC236}">
+                  <a16:creationId xmlns:a16="http://schemas.microsoft.com/office/drawing/2014/main" id="{FC6EDA35-A551-45A5-A557-88F47A112431}"/>
+                </a:ext>
+              </a:extLst>
+            </p:cNvPr>
+            <p:cNvSpPr/>
+            <p:nvPr/>
+          </p:nvSpPr>
+          <p:spPr>
+            <a:xfrm>
+              <a:off x="7397844" y="4483223"/>
+              <a:ext cx="811042" cy="1119066"/>
+            </a:xfrm>
+            <a:prstGeom prst="rect">
+              <a:avLst/>
+            </a:prstGeom>
+            <a:noFill/>
+            <a:ln w="28575">
+              <a:solidFill>
+                <a:srgbClr val="00B0F0"/>
+              </a:solidFill>
+              <a:prstDash val="dash"/>
+            </a:ln>
+          </p:spPr>
+          <p:style>
+            <a:lnRef idx="1">
+              <a:schemeClr val="accent1"/>
+            </a:lnRef>
+            <a:fillRef idx="3">
+              <a:schemeClr val="accent1"/>
+            </a:fillRef>
+            <a:effectRef idx="2">
+              <a:schemeClr val="accent1"/>
+            </a:effectRef>
+            <a:fontRef idx="minor">
+              <a:schemeClr val="lt1"/>
+            </a:fontRef>
+          </p:style>
+          <p:txBody>
+            <a:bodyPr rtlCol="0" anchor="ctr"/>
+            <a:lstStyle/>
+            <a:p>
+              <a:pPr algn="ctr"/>
+              <a:endParaRPr lang="zh-CN" altLang="en-US"/>
+            </a:p>
+          </p:txBody>
+        </p:sp>
+        <p:cxnSp>
+          <p:nvCxnSpPr>
+            <p:cNvPr id="15" name="直接箭头连接符 14">
+              <a:extLst>
+                <a:ext uri="{FF2B5EF4-FFF2-40B4-BE49-F238E27FC236}">
+                  <a16:creationId xmlns:a16="http://schemas.microsoft.com/office/drawing/2014/main" id="{E5DE7D4F-BA91-4A2B-9709-5B2361AF836B}"/>
+                </a:ext>
+              </a:extLst>
+            </p:cNvPr>
+            <p:cNvCxnSpPr>
+              <a:cxnSpLocks/>
+            </p:cNvCxnSpPr>
+            <p:nvPr/>
+          </p:nvCxnSpPr>
+          <p:spPr>
+            <a:xfrm flipH="1" flipV="1">
+              <a:off x="7552014" y="4208017"/>
+              <a:ext cx="97581" cy="355107"/>
+            </a:xfrm>
+            <a:prstGeom prst="straightConnector1">
+              <a:avLst/>
+            </a:prstGeom>
+            <a:ln>
+              <a:tailEnd type="triangle"/>
+            </a:ln>
+          </p:spPr>
+          <p:style>
+            <a:lnRef idx="2">
+              <a:schemeClr val="dk1"/>
+            </a:lnRef>
+            <a:fillRef idx="0">
+              <a:schemeClr val="dk1"/>
+            </a:fillRef>
+            <a:effectRef idx="1">
+              <a:schemeClr val="dk1"/>
+            </a:effectRef>
+            <a:fontRef idx="minor">
+              <a:schemeClr val="tx1"/>
+            </a:fontRef>
+          </p:style>
+        </p:cxnSp>
+        <p:sp>
+          <p:nvSpPr>
+            <p:cNvPr id="16" name="文本框 15">
+              <a:extLst>
+                <a:ext uri="{FF2B5EF4-FFF2-40B4-BE49-F238E27FC236}">
+                  <a16:creationId xmlns:a16="http://schemas.microsoft.com/office/drawing/2014/main" id="{1F665B1B-81BE-495C-801E-50E5F8D6205D}"/>
+                </a:ext>
+              </a:extLst>
+            </p:cNvPr>
+            <p:cNvSpPr txBox="1"/>
+            <p:nvPr/>
+          </p:nvSpPr>
+          <p:spPr>
+            <a:xfrm>
+              <a:off x="7060064" y="3855227"/>
+              <a:ext cx="976973" cy="369332"/>
+            </a:xfrm>
+            <a:prstGeom prst="rect">
+              <a:avLst/>
+            </a:prstGeom>
+            <a:noFill/>
+          </p:spPr>
+          <p:txBody>
+            <a:bodyPr wrap="square" rtlCol="0">
+              <a:spAutoFit/>
+            </a:bodyPr>
+            <a:lstStyle/>
+            <a:p>
+              <a:r>
+                <a:rPr lang="zh-CN" altLang="en-US" dirty="0"/>
+                <a:t>节点</a:t>
+              </a:r>
+              <a:r>
+                <a:rPr lang="en-US" altLang="zh-CN" dirty="0"/>
+                <a:t>N1</a:t>
+              </a:r>
+              <a:endParaRPr lang="zh-CN" altLang="en-US" dirty="0"/>
+            </a:p>
+          </p:txBody>
+        </p:sp>
+      </p:grpSp>
+      <p:sp>
+        <p:nvSpPr>
+          <p:cNvPr id="3" name="矩形 2">
             <a:extLst>
               <a:ext uri="{FF2B5EF4-FFF2-40B4-BE49-F238E27FC236}">
-                <a16:creationId xmlns:a16="http://schemas.microsoft.com/office/drawing/2014/main" id="{FC6EDA35-A551-45A5-A557-88F47A112431}"/>
+                <a16:creationId xmlns:a16="http://schemas.microsoft.com/office/drawing/2014/main" id="{AFFE188C-6241-BC48-A3E6-AC728F1F4109}"/>
               </a:ext>
             </a:extLst>
           </p:cNvPr>
@@ -10846,120 +11173,323 @@
         </p:nvSpPr>
         <p:spPr>
           <a:xfrm>
-            <a:off x="7397844" y="4483223"/>
-            <a:ext cx="811042" cy="1119066"/>
+            <a:off x="6877235" y="167195"/>
+            <a:ext cx="3515590" cy="3515118"/>
           </a:xfrm>
           <a:prstGeom prst="rect">
             <a:avLst/>
           </a:prstGeom>
-          <a:noFill/>
-          <a:ln w="28575">
-            <a:solidFill>
-              <a:srgbClr val="00B0F0"/>
-            </a:solidFill>
-            <a:prstDash val="dash"/>
-          </a:ln>
-        </p:spPr>
-        <p:style>
-          <a:lnRef idx="1">
-            <a:schemeClr val="accent1"/>
-          </a:lnRef>
-          <a:fillRef idx="3">
-            <a:schemeClr val="accent1"/>
-          </a:fillRef>
-          <a:effectRef idx="2">
-            <a:schemeClr val="accent1"/>
-          </a:effectRef>
-          <a:fontRef idx="minor">
-            <a:schemeClr val="lt1"/>
-          </a:fontRef>
-        </p:style>
-        <p:txBody>
-          <a:bodyPr rtlCol="0" anchor="ctr"/>
-          <a:lstStyle/>
-          <a:p>
-            <a:pPr algn="ctr"/>
-            <a:endParaRPr lang="zh-CN" altLang="en-US"/>
-          </a:p>
-        </p:txBody>
-      </p:sp>
-      <p:cxnSp>
-        <p:nvCxnSpPr>
-          <p:cNvPr id="15" name="直接箭头连接符 14">
-            <a:extLst>
-              <a:ext uri="{FF2B5EF4-FFF2-40B4-BE49-F238E27FC236}">
-                <a16:creationId xmlns:a16="http://schemas.microsoft.com/office/drawing/2014/main" id="{E5DE7D4F-BA91-4A2B-9709-5B2361AF836B}"/>
-              </a:ext>
-            </a:extLst>
-          </p:cNvPr>
-          <p:cNvCxnSpPr>
-            <a:cxnSpLocks/>
-          </p:cNvCxnSpPr>
-          <p:nvPr/>
-        </p:nvCxnSpPr>
-        <p:spPr>
-          <a:xfrm flipH="1" flipV="1">
-            <a:off x="7552014" y="4208017"/>
-            <a:ext cx="97581" cy="355107"/>
-          </a:xfrm>
-          <a:prstGeom prst="straightConnector1">
-            <a:avLst/>
-          </a:prstGeom>
-          <a:ln>
-            <a:tailEnd type="triangle"/>
-          </a:ln>
-        </p:spPr>
-        <p:style>
-          <a:lnRef idx="2">
-            <a:schemeClr val="dk1"/>
-          </a:lnRef>
-          <a:fillRef idx="0">
-            <a:schemeClr val="dk1"/>
-          </a:fillRef>
-          <a:effectRef idx="1">
-            <a:schemeClr val="dk1"/>
-          </a:effectRef>
-          <a:fontRef idx="minor">
-            <a:schemeClr val="tx1"/>
-          </a:fontRef>
-        </p:style>
-      </p:cxnSp>
-      <p:sp>
-        <p:nvSpPr>
-          <p:cNvPr id="16" name="文本框 15">
-            <a:extLst>
-              <a:ext uri="{FF2B5EF4-FFF2-40B4-BE49-F238E27FC236}">
-                <a16:creationId xmlns:a16="http://schemas.microsoft.com/office/drawing/2014/main" id="{1F665B1B-81BE-495C-801E-50E5F8D6205D}"/>
-              </a:ext>
-            </a:extLst>
-          </p:cNvPr>
-          <p:cNvSpPr txBox="1"/>
-          <p:nvPr/>
-        </p:nvSpPr>
-        <p:spPr>
-          <a:xfrm>
-            <a:off x="7060064" y="3855227"/>
-            <a:ext cx="976973" cy="369332"/>
-          </a:xfrm>
-          <a:prstGeom prst="rect">
-            <a:avLst/>
-          </a:prstGeom>
-          <a:noFill/>
         </p:spPr>
         <p:txBody>
-          <a:bodyPr wrap="square" rtlCol="0">
+          <a:bodyPr wrap="square">
             <a:spAutoFit/>
           </a:bodyPr>
           <a:lstStyle/>
           <a:p>
-            <a:r>
-              <a:rPr lang="zh-CN" altLang="en-US" dirty="0"/>
-              <a:t>节点</a:t>
-            </a:r>
-            <a:r>
-              <a:rPr lang="en-US" altLang="zh-CN" dirty="0"/>
-              <a:t>N1</a:t>
-            </a:r>
+            <a:pPr indent="0" fontAlgn="auto">
+              <a:lnSpc>
+                <a:spcPct val="130000"/>
+              </a:lnSpc>
+              <a:buFont typeface="+mj-ea"/>
+              <a:buNone/>
+            </a:pPr>
+            <a:r>
+              <a:rPr lang="en-US" altLang="zh-CN" sz="1400" dirty="0">
+                <a:solidFill>
+                  <a:srgbClr val="C00000"/>
+                </a:solidFill>
+                <a:sym typeface="+mn-ea"/>
+              </a:rPr>
+              <a:t> /</a:t>
+            </a:r>
+            <a:r>
+              <a:rPr lang="en-US" altLang="zh-CN" sz="1400" dirty="0" err="1">
+                <a:solidFill>
+                  <a:srgbClr val="C00000"/>
+                </a:solidFill>
+                <a:sym typeface="+mn-ea"/>
+              </a:rPr>
+              <a:t>Node_x</a:t>
+            </a:r>
+            <a:endParaRPr lang="en-US" altLang="zh-CN" sz="1400" dirty="0">
+              <a:sym typeface="+mn-ea"/>
+            </a:endParaRPr>
+          </a:p>
+          <a:p>
+            <a:pPr fontAlgn="auto">
+              <a:lnSpc>
+                <a:spcPct val="130000"/>
+              </a:lnSpc>
+              <a:buFont typeface="+mj-ea"/>
+              <a:buNone/>
+            </a:pPr>
+            <a:r>
+              <a:rPr lang="en-US" altLang="zh-CN" sz="1400" dirty="0">
+                <a:sym typeface="+mn-ea"/>
+              </a:rPr>
+              <a:t>	- left: </a:t>
+            </a:r>
+            <a:r>
+              <a:rPr lang="en-US" altLang="zh-CN" sz="1400" dirty="0" err="1">
+                <a:sym typeface="+mn-ea"/>
+              </a:rPr>
+              <a:t>Node_x</a:t>
+            </a:r>
+            <a:endParaRPr lang="en-US" altLang="zh-CN" sz="1400" dirty="0">
+              <a:sym typeface="+mn-ea"/>
+            </a:endParaRPr>
+          </a:p>
+          <a:p>
+            <a:pPr fontAlgn="auto">
+              <a:lnSpc>
+                <a:spcPct val="130000"/>
+              </a:lnSpc>
+              <a:buFont typeface="+mj-ea"/>
+              <a:buNone/>
+            </a:pPr>
+            <a:r>
+              <a:rPr lang="en-US" altLang="zh-CN" sz="1400" dirty="0">
+                <a:sym typeface="+mn-ea"/>
+              </a:rPr>
+              <a:t>	- right: </a:t>
+            </a:r>
+            <a:r>
+              <a:rPr lang="en-US" altLang="zh-CN" sz="1400" dirty="0" err="1">
+                <a:sym typeface="+mn-ea"/>
+              </a:rPr>
+              <a:t>Node_x</a:t>
+            </a:r>
+            <a:endParaRPr lang="en-US" altLang="zh-CN" sz="1400" dirty="0">
+              <a:sym typeface="+mn-ea"/>
+            </a:endParaRPr>
+          </a:p>
+          <a:p>
+            <a:pPr fontAlgn="auto">
+              <a:lnSpc>
+                <a:spcPct val="130000"/>
+              </a:lnSpc>
+              <a:buFont typeface="+mj-ea"/>
+              <a:buNone/>
+            </a:pPr>
+            <a:r>
+              <a:rPr lang="en-US" altLang="zh-CN" sz="1400" dirty="0">
+                <a:sym typeface="+mn-ea"/>
+              </a:rPr>
+              <a:t>	- parent: </a:t>
+            </a:r>
+            <a:r>
+              <a:rPr lang="en-US" altLang="zh-CN" sz="1400" dirty="0" err="1">
+                <a:sym typeface="+mn-ea"/>
+              </a:rPr>
+              <a:t>Node_x</a:t>
+            </a:r>
+            <a:r>
+              <a:rPr lang="en-US" altLang="zh-CN" sz="1400" dirty="0">
+                <a:sym typeface="+mn-ea"/>
+              </a:rPr>
+              <a:t>  </a:t>
+            </a:r>
+          </a:p>
+          <a:p>
+            <a:pPr fontAlgn="auto">
+              <a:lnSpc>
+                <a:spcPct val="130000"/>
+              </a:lnSpc>
+              <a:buFont typeface="+mj-ea"/>
+              <a:buNone/>
+            </a:pPr>
+            <a:r>
+              <a:rPr lang="en-US" altLang="zh-CN" sz="1400" dirty="0">
+                <a:sym typeface="+mn-ea"/>
+              </a:rPr>
+              <a:t>	- status: done or wait </a:t>
+            </a:r>
+          </a:p>
+          <a:p>
+            <a:pPr fontAlgn="auto">
+              <a:lnSpc>
+                <a:spcPct val="130000"/>
+              </a:lnSpc>
+              <a:buFont typeface="+mj-ea"/>
+              <a:buNone/>
+            </a:pPr>
+            <a:r>
+              <a:rPr lang="en-US" altLang="zh-CN" sz="1400" dirty="0">
+                <a:sym typeface="+mn-ea"/>
+              </a:rPr>
+              <a:t>	- type: data or select or union... 	</a:t>
+            </a:r>
+          </a:p>
+          <a:p>
+            <a:pPr fontAlgn="auto">
+              <a:lnSpc>
+                <a:spcPct val="130000"/>
+              </a:lnSpc>
+              <a:buFont typeface="+mj-ea"/>
+              <a:buNone/>
+            </a:pPr>
+            <a:r>
+              <a:rPr lang="en-US" altLang="zh-CN" sz="1400" dirty="0">
+                <a:sym typeface="+mn-ea"/>
+              </a:rPr>
+              <a:t>	- </a:t>
+            </a:r>
+            <a:r>
+              <a:rPr lang="en-US" altLang="zh-CN" sz="1400" dirty="0" err="1">
+                <a:sym typeface="+mn-ea"/>
+              </a:rPr>
+              <a:t>tmp_table</a:t>
+            </a:r>
+            <a:r>
+              <a:rPr lang="en-US" altLang="zh-CN" sz="1400" dirty="0">
+                <a:sym typeface="+mn-ea"/>
+              </a:rPr>
+              <a:t>: </a:t>
+            </a:r>
+            <a:r>
+              <a:rPr lang="en-US" altLang="zh-CN" sz="1400" dirty="0" err="1">
+                <a:sym typeface="+mn-ea"/>
+              </a:rPr>
+              <a:t>temp_x</a:t>
+            </a:r>
+            <a:endParaRPr lang="en-US" altLang="zh-CN" sz="1400" dirty="0">
+              <a:sym typeface="+mn-ea"/>
+            </a:endParaRPr>
+          </a:p>
+          <a:p>
+            <a:pPr fontAlgn="auto">
+              <a:lnSpc>
+                <a:spcPct val="130000"/>
+              </a:lnSpc>
+              <a:buFont typeface="+mj-ea"/>
+              <a:buNone/>
+            </a:pPr>
+            <a:r>
+              <a:rPr lang="en-US" altLang="zh-CN" sz="1400" dirty="0">
+                <a:sym typeface="+mn-ea"/>
+              </a:rPr>
+              <a:t>	- locate: </a:t>
+            </a:r>
+            <a:r>
+              <a:rPr lang="en-US" altLang="zh-CN" sz="1400" dirty="0" err="1">
+                <a:sym typeface="+mn-ea"/>
+              </a:rPr>
+              <a:t>site_x</a:t>
+            </a:r>
+            <a:endParaRPr lang="en-US" altLang="zh-CN" sz="1400" dirty="0">
+              <a:sym typeface="+mn-ea"/>
+            </a:endParaRPr>
+          </a:p>
+          <a:p>
+            <a:pPr indent="0" fontAlgn="auto">
+              <a:lnSpc>
+                <a:spcPct val="130000"/>
+              </a:lnSpc>
+              <a:buFont typeface="+mj-ea"/>
+              <a:buNone/>
+            </a:pPr>
+            <a:r>
+              <a:rPr lang="en-US" altLang="zh-CN" sz="1400" dirty="0">
+                <a:sym typeface="+mn-ea"/>
+              </a:rPr>
+              <a:t>	- </a:t>
+            </a:r>
+            <a:r>
+              <a:rPr lang="en-US" altLang="zh-CN" sz="1400" dirty="0" err="1">
+                <a:sym typeface="+mn-ea"/>
+              </a:rPr>
+              <a:t>if_transfer</a:t>
+            </a:r>
+            <a:r>
+              <a:rPr lang="en-US" altLang="zh-CN" sz="1400" dirty="0">
+                <a:sym typeface="+mn-ea"/>
+              </a:rPr>
+              <a:t>: Y</a:t>
+            </a:r>
+          </a:p>
+          <a:p>
+            <a:pPr fontAlgn="auto">
+              <a:lnSpc>
+                <a:spcPct val="130000"/>
+              </a:lnSpc>
+              <a:buFont typeface="+mj-ea"/>
+              <a:buNone/>
+            </a:pPr>
+            <a:r>
+              <a:rPr lang="en-US" altLang="zh-CN" sz="1400" dirty="0">
+                <a:sym typeface="+mn-ea"/>
+              </a:rPr>
+              <a:t>	- </a:t>
+            </a:r>
+            <a:r>
+              <a:rPr lang="en-US" altLang="zh-CN" sz="1400" dirty="0" err="1">
+                <a:sym typeface="+mn-ea"/>
+              </a:rPr>
+              <a:t>dest</a:t>
+            </a:r>
+            <a:r>
+              <a:rPr lang="en-US" altLang="zh-CN" sz="1400" dirty="0">
+                <a:sym typeface="+mn-ea"/>
+              </a:rPr>
+              <a:t>: </a:t>
+            </a:r>
+            <a:r>
+              <a:rPr lang="en-US" altLang="zh-CN" sz="1400" dirty="0" err="1">
+                <a:sym typeface="+mn-ea"/>
+              </a:rPr>
+              <a:t>site_x</a:t>
+            </a:r>
+            <a:r>
+              <a:rPr lang="en-US" altLang="zh-CN" sz="1400" dirty="0">
+                <a:sym typeface="+mn-ea"/>
+              </a:rPr>
+              <a:t> or </a:t>
+            </a:r>
+            <a:r>
+              <a:rPr lang="en-US" altLang="zh-CN" sz="1400" dirty="0" err="1">
+                <a:sym typeface="+mn-ea"/>
+              </a:rPr>
+              <a:t>node_x</a:t>
+            </a:r>
+            <a:r>
+              <a:rPr lang="en-US" altLang="zh-CN" sz="1400" dirty="0">
+                <a:sym typeface="+mn-ea"/>
+              </a:rPr>
+              <a:t> or </a:t>
+            </a:r>
+            <a:r>
+              <a:rPr lang="en-US" altLang="zh-CN" sz="1400" dirty="0" err="1">
+                <a:sym typeface="+mn-ea"/>
+              </a:rPr>
+              <a:t>ip</a:t>
+            </a:r>
+            <a:endParaRPr lang="en-US" altLang="zh-CN" sz="1400" dirty="0">
+              <a:sym typeface="+mn-ea"/>
+            </a:endParaRPr>
+          </a:p>
+          <a:p>
+            <a:pPr fontAlgn="auto">
+              <a:lnSpc>
+                <a:spcPct val="130000"/>
+              </a:lnSpc>
+              <a:buFont typeface="+mj-ea"/>
+              <a:buNone/>
+            </a:pPr>
+            <a:r>
+              <a:rPr lang="en-US" altLang="zh-CN" sz="1400" dirty="0">
+                <a:sym typeface="+mn-ea"/>
+              </a:rPr>
+              <a:t>	- detail: id = 200000 ...</a:t>
+            </a:r>
+          </a:p>
+          <a:p>
+            <a:pPr fontAlgn="auto">
+              <a:lnSpc>
+                <a:spcPct val="130000"/>
+              </a:lnSpc>
+              <a:buFont typeface="+mj-ea"/>
+              <a:buNone/>
+            </a:pPr>
             <a:endParaRPr lang="zh-CN" altLang="en-US" dirty="0"/>
           </a:p>
         </p:txBody>
@@ -11282,7 +11812,15 @@
             </a:pPr>
             <a:r>
               <a:rPr kumimoji="1" lang="zh-CN" altLang="en-US" sz="2000" dirty="0"/>
-              <a:t>根据操作列表收集左右子节点的数据。收集到</a:t>
+              <a:t>根据</a:t>
+            </a:r>
+            <a:r>
+              <a:rPr kumimoji="1" lang="en-US" altLang="zh-CN" sz="2000" dirty="0"/>
+              <a:t>plan</a:t>
+            </a:r>
+            <a:r>
+              <a:rPr kumimoji="1" lang="zh-CN" altLang="en-US" sz="2000" dirty="0"/>
+              <a:t>中确定要处理的数据。即</a:t>
             </a:r>
             <a:r>
               <a:rPr kumimoji="1" lang="en-US" altLang="zh-CN" sz="2000" dirty="0"/>
@@ -11429,47 +11967,365 @@
           </a:p>
         </p:txBody>
       </p:sp>
-      <p:pic>
-        <p:nvPicPr>
-          <p:cNvPr id="12" name="图片 11">
+      <p:grpSp>
+        <p:nvGrpSpPr>
+          <p:cNvPr id="6" name="组合 5">
             <a:extLst>
               <a:ext uri="{FF2B5EF4-FFF2-40B4-BE49-F238E27FC236}">
-                <a16:creationId xmlns:a16="http://schemas.microsoft.com/office/drawing/2014/main" id="{DC44518D-F9B2-4C4F-B7E2-D5663B6BE222}"/>
+                <a16:creationId xmlns:a16="http://schemas.microsoft.com/office/drawing/2014/main" id="{C7858FD0-1371-D247-8016-5E2E3BBB9D80}"/>
               </a:ext>
             </a:extLst>
           </p:cNvPr>
-          <p:cNvPicPr>
-            <a:picLocks noChangeAspect="1"/>
-          </p:cNvPicPr>
+          <p:cNvGrpSpPr/>
           <p:nvPr/>
-        </p:nvPicPr>
-        <p:blipFill rotWithShape="1">
-          <a:blip r:embed="rId3" cstate="email">
-            <a:extLst>
-              <a:ext uri="{28A0092B-C50C-407E-A947-70E740481C1C}">
-                <a14:useLocalDpi xmlns:a14="http://schemas.microsoft.com/office/drawing/2010/main" val="0"/>
-              </a:ext>
-            </a:extLst>
-          </a:blip>
-          <a:srcRect r="49629"/>
-          <a:stretch/>
-        </p:blipFill>
-        <p:spPr>
+        </p:nvGrpSpPr>
+        <p:grpSpPr>
           <a:xfrm>
-            <a:off x="7552013" y="1865117"/>
-            <a:ext cx="3009456" cy="3737172"/>
-          </a:xfrm>
-          <a:prstGeom prst="rect">
-            <a:avLst/>
-          </a:prstGeom>
-        </p:spPr>
-      </p:pic>
-      <p:sp>
-        <p:nvSpPr>
-          <p:cNvPr id="13" name="矩形 12">
+            <a:off x="7374910" y="2216433"/>
+            <a:ext cx="3826490" cy="4260567"/>
+            <a:chOff x="6734979" y="1865117"/>
+            <a:chExt cx="3826490" cy="4260567"/>
+          </a:xfrm>
+        </p:grpSpPr>
+        <p:pic>
+          <p:nvPicPr>
+            <p:cNvPr id="12" name="图片 11">
+              <a:extLst>
+                <a:ext uri="{FF2B5EF4-FFF2-40B4-BE49-F238E27FC236}">
+                  <a16:creationId xmlns:a16="http://schemas.microsoft.com/office/drawing/2014/main" id="{DC44518D-F9B2-4C4F-B7E2-D5663B6BE222}"/>
+                </a:ext>
+              </a:extLst>
+            </p:cNvPr>
+            <p:cNvPicPr>
+              <a:picLocks noChangeAspect="1"/>
+            </p:cNvPicPr>
+            <p:nvPr/>
+          </p:nvPicPr>
+          <p:blipFill rotWithShape="1">
+            <a:blip r:embed="rId3" cstate="email">
+              <a:extLst>
+                <a:ext uri="{28A0092B-C50C-407E-A947-70E740481C1C}">
+                  <a14:useLocalDpi xmlns:a14="http://schemas.microsoft.com/office/drawing/2010/main" val="0"/>
+                </a:ext>
+              </a:extLst>
+            </a:blip>
+            <a:srcRect r="49629"/>
+            <a:stretch/>
+          </p:blipFill>
+          <p:spPr>
+            <a:xfrm>
+              <a:off x="7552013" y="1865117"/>
+              <a:ext cx="3009456" cy="3737172"/>
+            </a:xfrm>
+            <a:prstGeom prst="rect">
+              <a:avLst/>
+            </a:prstGeom>
+          </p:spPr>
+        </p:pic>
+        <p:sp>
+          <p:nvSpPr>
+            <p:cNvPr id="13" name="矩形 12">
+              <a:extLst>
+                <a:ext uri="{FF2B5EF4-FFF2-40B4-BE49-F238E27FC236}">
+                  <a16:creationId xmlns:a16="http://schemas.microsoft.com/office/drawing/2014/main" id="{FC6EDA35-A551-45A5-A557-88F47A112431}"/>
+                </a:ext>
+              </a:extLst>
+            </p:cNvPr>
+            <p:cNvSpPr/>
+            <p:nvPr/>
+          </p:nvSpPr>
+          <p:spPr>
+            <a:xfrm>
+              <a:off x="7397844" y="3773011"/>
+              <a:ext cx="1352580" cy="1829279"/>
+            </a:xfrm>
+            <a:prstGeom prst="rect">
+              <a:avLst/>
+            </a:prstGeom>
+            <a:noFill/>
+            <a:ln w="28575">
+              <a:solidFill>
+                <a:srgbClr val="00B0F0"/>
+              </a:solidFill>
+              <a:prstDash val="dash"/>
+            </a:ln>
+          </p:spPr>
+          <p:style>
+            <a:lnRef idx="1">
+              <a:schemeClr val="accent1"/>
+            </a:lnRef>
+            <a:fillRef idx="3">
+              <a:schemeClr val="accent1"/>
+            </a:fillRef>
+            <a:effectRef idx="2">
+              <a:schemeClr val="accent1"/>
+            </a:effectRef>
+            <a:fontRef idx="minor">
+              <a:schemeClr val="lt1"/>
+            </a:fontRef>
+          </p:style>
+          <p:txBody>
+            <a:bodyPr rtlCol="0" anchor="ctr"/>
+            <a:lstStyle/>
+            <a:p>
+              <a:pPr algn="ctr"/>
+              <a:endParaRPr lang="zh-CN" altLang="en-US"/>
+            </a:p>
+          </p:txBody>
+        </p:sp>
+        <p:cxnSp>
+          <p:nvCxnSpPr>
+            <p:cNvPr id="15" name="直接箭头连接符 14">
+              <a:extLst>
+                <a:ext uri="{FF2B5EF4-FFF2-40B4-BE49-F238E27FC236}">
+                  <a16:creationId xmlns:a16="http://schemas.microsoft.com/office/drawing/2014/main" id="{E5DE7D4F-BA91-4A2B-9709-5B2361AF836B}"/>
+                </a:ext>
+              </a:extLst>
+            </p:cNvPr>
+            <p:cNvCxnSpPr>
+              <a:cxnSpLocks/>
+              <a:endCxn id="16" idx="0"/>
+            </p:cNvCxnSpPr>
+            <p:nvPr/>
+          </p:nvCxnSpPr>
+          <p:spPr>
+            <a:xfrm flipH="1">
+              <a:off x="7223465" y="4962617"/>
+              <a:ext cx="426130" cy="791878"/>
+            </a:xfrm>
+            <a:prstGeom prst="straightConnector1">
+              <a:avLst/>
+            </a:prstGeom>
+            <a:ln>
+              <a:tailEnd type="triangle"/>
+            </a:ln>
+          </p:spPr>
+          <p:style>
+            <a:lnRef idx="2">
+              <a:schemeClr val="dk1"/>
+            </a:lnRef>
+            <a:fillRef idx="0">
+              <a:schemeClr val="dk1"/>
+            </a:fillRef>
+            <a:effectRef idx="1">
+              <a:schemeClr val="dk1"/>
+            </a:effectRef>
+            <a:fontRef idx="minor">
+              <a:schemeClr val="tx1"/>
+            </a:fontRef>
+          </p:style>
+        </p:cxnSp>
+        <p:sp>
+          <p:nvSpPr>
+            <p:cNvPr id="16" name="文本框 15">
+              <a:extLst>
+                <a:ext uri="{FF2B5EF4-FFF2-40B4-BE49-F238E27FC236}">
+                  <a16:creationId xmlns:a16="http://schemas.microsoft.com/office/drawing/2014/main" id="{1F665B1B-81BE-495C-801E-50E5F8D6205D}"/>
+                </a:ext>
+              </a:extLst>
+            </p:cNvPr>
+            <p:cNvSpPr txBox="1"/>
+            <p:nvPr/>
+          </p:nvSpPr>
+          <p:spPr>
+            <a:xfrm>
+              <a:off x="6734979" y="5754495"/>
+              <a:ext cx="976973" cy="369332"/>
+            </a:xfrm>
+            <a:prstGeom prst="rect">
+              <a:avLst/>
+            </a:prstGeom>
+            <a:noFill/>
+          </p:spPr>
+          <p:txBody>
+            <a:bodyPr wrap="square" rtlCol="0">
+              <a:spAutoFit/>
+            </a:bodyPr>
+            <a:lstStyle/>
+            <a:p>
+              <a:r>
+                <a:rPr lang="zh-CN" altLang="en-US" dirty="0"/>
+                <a:t>节点</a:t>
+              </a:r>
+              <a:r>
+                <a:rPr lang="en-US" altLang="zh-CN" dirty="0"/>
+                <a:t>N1</a:t>
+              </a:r>
+              <a:endParaRPr lang="zh-CN" altLang="en-US" dirty="0"/>
+            </a:p>
+          </p:txBody>
+        </p:sp>
+        <p:cxnSp>
+          <p:nvCxnSpPr>
+            <p:cNvPr id="10" name="直接箭头连接符 9">
+              <a:extLst>
+                <a:ext uri="{FF2B5EF4-FFF2-40B4-BE49-F238E27FC236}">
+                  <a16:creationId xmlns:a16="http://schemas.microsoft.com/office/drawing/2014/main" id="{B369AD75-3BE0-44B6-A113-A9ADAA35DFD5}"/>
+                </a:ext>
+              </a:extLst>
+            </p:cNvPr>
+            <p:cNvCxnSpPr>
+              <a:cxnSpLocks/>
+              <a:endCxn id="20" idx="0"/>
+            </p:cNvCxnSpPr>
+            <p:nvPr/>
+          </p:nvCxnSpPr>
+          <p:spPr>
+            <a:xfrm>
+              <a:off x="8586226" y="4962618"/>
+              <a:ext cx="406135" cy="793735"/>
+            </a:xfrm>
+            <a:prstGeom prst="straightConnector1">
+              <a:avLst/>
+            </a:prstGeom>
+            <a:ln>
+              <a:tailEnd type="triangle"/>
+            </a:ln>
+          </p:spPr>
+          <p:style>
+            <a:lnRef idx="2">
+              <a:schemeClr val="dk1"/>
+            </a:lnRef>
+            <a:fillRef idx="0">
+              <a:schemeClr val="dk1"/>
+            </a:fillRef>
+            <a:effectRef idx="1">
+              <a:schemeClr val="dk1"/>
+            </a:effectRef>
+            <a:fontRef idx="minor">
+              <a:schemeClr val="tx1"/>
+            </a:fontRef>
+          </p:style>
+        </p:cxnSp>
+        <p:sp>
+          <p:nvSpPr>
+            <p:cNvPr id="20" name="文本框 19">
+              <a:extLst>
+                <a:ext uri="{FF2B5EF4-FFF2-40B4-BE49-F238E27FC236}">
+                  <a16:creationId xmlns:a16="http://schemas.microsoft.com/office/drawing/2014/main" id="{52BA3D63-A43A-4848-BD8D-60CABCE335FC}"/>
+                </a:ext>
+              </a:extLst>
+            </p:cNvPr>
+            <p:cNvSpPr txBox="1"/>
+            <p:nvPr/>
+          </p:nvSpPr>
+          <p:spPr>
+            <a:xfrm>
+              <a:off x="8503874" y="5756352"/>
+              <a:ext cx="976973" cy="369332"/>
+            </a:xfrm>
+            <a:prstGeom prst="rect">
+              <a:avLst/>
+            </a:prstGeom>
+            <a:noFill/>
+          </p:spPr>
+          <p:txBody>
+            <a:bodyPr wrap="square" rtlCol="0">
+              <a:spAutoFit/>
+            </a:bodyPr>
+            <a:lstStyle/>
+            <a:p>
+              <a:r>
+                <a:rPr lang="zh-CN" altLang="en-US" dirty="0"/>
+                <a:t>节点</a:t>
+              </a:r>
+              <a:r>
+                <a:rPr lang="en-US" altLang="zh-CN" dirty="0"/>
+                <a:t>N2</a:t>
+              </a:r>
+              <a:endParaRPr lang="zh-CN" altLang="en-US" dirty="0"/>
+            </a:p>
+          </p:txBody>
+        </p:sp>
+        <p:sp>
+          <p:nvSpPr>
+            <p:cNvPr id="22" name="文本框 21">
+              <a:extLst>
+                <a:ext uri="{FF2B5EF4-FFF2-40B4-BE49-F238E27FC236}">
+                  <a16:creationId xmlns:a16="http://schemas.microsoft.com/office/drawing/2014/main" id="{9CE6D858-7A47-4578-A399-0DE1A9F2A75A}"/>
+                </a:ext>
+              </a:extLst>
+            </p:cNvPr>
+            <p:cNvSpPr txBox="1"/>
+            <p:nvPr/>
+          </p:nvSpPr>
+          <p:spPr>
+            <a:xfrm>
+              <a:off x="6970926" y="3127093"/>
+              <a:ext cx="976973" cy="369332"/>
+            </a:xfrm>
+            <a:prstGeom prst="rect">
+              <a:avLst/>
+            </a:prstGeom>
+            <a:noFill/>
+          </p:spPr>
+          <p:txBody>
+            <a:bodyPr wrap="square" rtlCol="0">
+              <a:spAutoFit/>
+            </a:bodyPr>
+            <a:lstStyle/>
+            <a:p>
+              <a:r>
+                <a:rPr lang="zh-CN" altLang="en-US" dirty="0"/>
+                <a:t>节点</a:t>
+              </a:r>
+              <a:r>
+                <a:rPr lang="en-US" altLang="zh-CN" dirty="0"/>
+                <a:t>N3</a:t>
+              </a:r>
+              <a:endParaRPr lang="zh-CN" altLang="en-US" dirty="0"/>
+            </a:p>
+          </p:txBody>
+        </p:sp>
+        <p:cxnSp>
+          <p:nvCxnSpPr>
+            <p:cNvPr id="23" name="直接箭头连接符 22">
+              <a:extLst>
+                <a:ext uri="{FF2B5EF4-FFF2-40B4-BE49-F238E27FC236}">
+                  <a16:creationId xmlns:a16="http://schemas.microsoft.com/office/drawing/2014/main" id="{8A2E6221-636F-443E-ACE3-947CE7D1BEFE}"/>
+                </a:ext>
+              </a:extLst>
+            </p:cNvPr>
+            <p:cNvCxnSpPr>
+              <a:cxnSpLocks/>
+              <a:endCxn id="22" idx="2"/>
+            </p:cNvCxnSpPr>
+            <p:nvPr/>
+          </p:nvCxnSpPr>
+          <p:spPr>
+            <a:xfrm flipH="1" flipV="1">
+              <a:off x="7459413" y="3496426"/>
+              <a:ext cx="441501" cy="383117"/>
+            </a:xfrm>
+            <a:prstGeom prst="straightConnector1">
+              <a:avLst/>
+            </a:prstGeom>
+            <a:ln>
+              <a:tailEnd type="triangle"/>
+            </a:ln>
+          </p:spPr>
+          <p:style>
+            <a:lnRef idx="2">
+              <a:schemeClr val="dk1"/>
+            </a:lnRef>
+            <a:fillRef idx="0">
+              <a:schemeClr val="dk1"/>
+            </a:fillRef>
+            <a:effectRef idx="1">
+              <a:schemeClr val="dk1"/>
+            </a:effectRef>
+            <a:fontRef idx="minor">
+              <a:schemeClr val="tx1"/>
+            </a:fontRef>
+          </p:style>
+        </p:cxnSp>
+      </p:grpSp>
+      <p:sp>
+        <p:nvSpPr>
+          <p:cNvPr id="19" name="矩形 18">
             <a:extLst>
               <a:ext uri="{FF2B5EF4-FFF2-40B4-BE49-F238E27FC236}">
-                <a16:creationId xmlns:a16="http://schemas.microsoft.com/office/drawing/2014/main" id="{FC6EDA35-A551-45A5-A557-88F47A112431}"/>
+                <a16:creationId xmlns:a16="http://schemas.microsoft.com/office/drawing/2014/main" id="{5F8F1D52-C8D0-1945-829A-66DBEE70C36B}"/>
               </a:ext>
             </a:extLst>
           </p:cNvPr>
@@ -11478,289 +12334,327 @@
         </p:nvSpPr>
         <p:spPr>
           <a:xfrm>
-            <a:off x="7397844" y="3773011"/>
-            <a:ext cx="1352580" cy="1829279"/>
+            <a:off x="6877235" y="167195"/>
+            <a:ext cx="3515590" cy="3515118"/>
           </a:xfrm>
           <a:prstGeom prst="rect">
             <a:avLst/>
           </a:prstGeom>
-          <a:noFill/>
-          <a:ln w="28575">
-            <a:solidFill>
-              <a:srgbClr val="00B0F0"/>
-            </a:solidFill>
-            <a:prstDash val="dash"/>
-          </a:ln>
-        </p:spPr>
-        <p:style>
-          <a:lnRef idx="1">
-            <a:schemeClr val="accent1"/>
-          </a:lnRef>
-          <a:fillRef idx="3">
-            <a:schemeClr val="accent1"/>
-          </a:fillRef>
-          <a:effectRef idx="2">
-            <a:schemeClr val="accent1"/>
-          </a:effectRef>
-          <a:fontRef idx="minor">
-            <a:schemeClr val="lt1"/>
-          </a:fontRef>
-        </p:style>
-        <p:txBody>
-          <a:bodyPr rtlCol="0" anchor="ctr"/>
-          <a:lstStyle/>
-          <a:p>
-            <a:pPr algn="ctr"/>
-            <a:endParaRPr lang="zh-CN" altLang="en-US"/>
-          </a:p>
-        </p:txBody>
-      </p:sp>
-      <p:cxnSp>
-        <p:nvCxnSpPr>
-          <p:cNvPr id="15" name="直接箭头连接符 14">
-            <a:extLst>
-              <a:ext uri="{FF2B5EF4-FFF2-40B4-BE49-F238E27FC236}">
-                <a16:creationId xmlns:a16="http://schemas.microsoft.com/office/drawing/2014/main" id="{E5DE7D4F-BA91-4A2B-9709-5B2361AF836B}"/>
-              </a:ext>
-            </a:extLst>
-          </p:cNvPr>
-          <p:cNvCxnSpPr>
-            <a:cxnSpLocks/>
-            <a:endCxn id="16" idx="0"/>
-          </p:cNvCxnSpPr>
-          <p:nvPr/>
-        </p:nvCxnSpPr>
-        <p:spPr>
-          <a:xfrm flipH="1">
-            <a:off x="7223465" y="4962617"/>
-            <a:ext cx="426130" cy="791878"/>
-          </a:xfrm>
-          <a:prstGeom prst="straightConnector1">
-            <a:avLst/>
-          </a:prstGeom>
-          <a:ln>
-            <a:tailEnd type="triangle"/>
-          </a:ln>
-        </p:spPr>
-        <p:style>
-          <a:lnRef idx="2">
-            <a:schemeClr val="dk1"/>
-          </a:lnRef>
-          <a:fillRef idx="0">
-            <a:schemeClr val="dk1"/>
-          </a:fillRef>
-          <a:effectRef idx="1">
-            <a:schemeClr val="dk1"/>
-          </a:effectRef>
-          <a:fontRef idx="minor">
-            <a:schemeClr val="tx1"/>
-          </a:fontRef>
-        </p:style>
-      </p:cxnSp>
-      <p:sp>
-        <p:nvSpPr>
-          <p:cNvPr id="16" name="文本框 15">
-            <a:extLst>
-              <a:ext uri="{FF2B5EF4-FFF2-40B4-BE49-F238E27FC236}">
-                <a16:creationId xmlns:a16="http://schemas.microsoft.com/office/drawing/2014/main" id="{1F665B1B-81BE-495C-801E-50E5F8D6205D}"/>
-              </a:ext>
-            </a:extLst>
-          </p:cNvPr>
-          <p:cNvSpPr txBox="1"/>
-          <p:nvPr/>
-        </p:nvSpPr>
-        <p:spPr>
-          <a:xfrm>
-            <a:off x="6734979" y="5754495"/>
-            <a:ext cx="976973" cy="369332"/>
-          </a:xfrm>
-          <a:prstGeom prst="rect">
-            <a:avLst/>
-          </a:prstGeom>
-          <a:noFill/>
         </p:spPr>
         <p:txBody>
-          <a:bodyPr wrap="square" rtlCol="0">
+          <a:bodyPr wrap="square">
             <a:spAutoFit/>
           </a:bodyPr>
           <a:lstStyle/>
           <a:p>
-            <a:r>
-              <a:rPr lang="zh-CN" altLang="en-US" dirty="0"/>
-              <a:t>节点</a:t>
-            </a:r>
-            <a:r>
-              <a:rPr lang="en-US" altLang="zh-CN" dirty="0"/>
-              <a:t>N1</a:t>
-            </a:r>
+            <a:pPr indent="0" fontAlgn="auto">
+              <a:lnSpc>
+                <a:spcPct val="130000"/>
+              </a:lnSpc>
+              <a:buFont typeface="+mj-ea"/>
+              <a:buNone/>
+            </a:pPr>
+            <a:r>
+              <a:rPr lang="en-US" altLang="zh-CN" sz="1400" dirty="0">
+                <a:solidFill>
+                  <a:srgbClr val="C00000"/>
+                </a:solidFill>
+                <a:sym typeface="+mn-ea"/>
+              </a:rPr>
+              <a:t> /</a:t>
+            </a:r>
+            <a:r>
+              <a:rPr lang="en-US" altLang="zh-CN" sz="1400" dirty="0" err="1">
+                <a:solidFill>
+                  <a:srgbClr val="C00000"/>
+                </a:solidFill>
+                <a:sym typeface="+mn-ea"/>
+              </a:rPr>
+              <a:t>Node_x</a:t>
+            </a:r>
+            <a:endParaRPr lang="en-US" altLang="zh-CN" sz="1400" dirty="0">
+              <a:sym typeface="+mn-ea"/>
+            </a:endParaRPr>
+          </a:p>
+          <a:p>
+            <a:pPr fontAlgn="auto">
+              <a:lnSpc>
+                <a:spcPct val="130000"/>
+              </a:lnSpc>
+              <a:buFont typeface="+mj-ea"/>
+              <a:buNone/>
+            </a:pPr>
+            <a:r>
+              <a:rPr lang="en-US" altLang="zh-CN" sz="1400" dirty="0">
+                <a:sym typeface="+mn-ea"/>
+              </a:rPr>
+              <a:t>	- left: </a:t>
+            </a:r>
+            <a:r>
+              <a:rPr lang="en-US" altLang="zh-CN" sz="1400" dirty="0" err="1">
+                <a:sym typeface="+mn-ea"/>
+              </a:rPr>
+              <a:t>Node_x</a:t>
+            </a:r>
+            <a:endParaRPr lang="en-US" altLang="zh-CN" sz="1400" dirty="0">
+              <a:sym typeface="+mn-ea"/>
+            </a:endParaRPr>
+          </a:p>
+          <a:p>
+            <a:pPr fontAlgn="auto">
+              <a:lnSpc>
+                <a:spcPct val="130000"/>
+              </a:lnSpc>
+              <a:buFont typeface="+mj-ea"/>
+              <a:buNone/>
+            </a:pPr>
+            <a:r>
+              <a:rPr lang="en-US" altLang="zh-CN" sz="1400" dirty="0">
+                <a:sym typeface="+mn-ea"/>
+              </a:rPr>
+              <a:t>	- right: </a:t>
+            </a:r>
+            <a:r>
+              <a:rPr lang="en-US" altLang="zh-CN" sz="1400" dirty="0" err="1">
+                <a:sym typeface="+mn-ea"/>
+              </a:rPr>
+              <a:t>Node_x</a:t>
+            </a:r>
+            <a:endParaRPr lang="en-US" altLang="zh-CN" sz="1400" dirty="0">
+              <a:sym typeface="+mn-ea"/>
+            </a:endParaRPr>
+          </a:p>
+          <a:p>
+            <a:pPr fontAlgn="auto">
+              <a:lnSpc>
+                <a:spcPct val="130000"/>
+              </a:lnSpc>
+              <a:buFont typeface="+mj-ea"/>
+              <a:buNone/>
+            </a:pPr>
+            <a:r>
+              <a:rPr lang="en-US" altLang="zh-CN" sz="1400" dirty="0">
+                <a:sym typeface="+mn-ea"/>
+              </a:rPr>
+              <a:t>	- parent: </a:t>
+            </a:r>
+            <a:r>
+              <a:rPr lang="en-US" altLang="zh-CN" sz="1400" dirty="0" err="1">
+                <a:sym typeface="+mn-ea"/>
+              </a:rPr>
+              <a:t>Node_x</a:t>
+            </a:r>
+            <a:r>
+              <a:rPr lang="en-US" altLang="zh-CN" sz="1400" dirty="0">
+                <a:sym typeface="+mn-ea"/>
+              </a:rPr>
+              <a:t>  </a:t>
+            </a:r>
+          </a:p>
+          <a:p>
+            <a:pPr fontAlgn="auto">
+              <a:lnSpc>
+                <a:spcPct val="130000"/>
+              </a:lnSpc>
+              <a:buFont typeface="+mj-ea"/>
+              <a:buNone/>
+            </a:pPr>
+            <a:r>
+              <a:rPr lang="en-US" altLang="zh-CN" sz="1400" dirty="0">
+                <a:sym typeface="+mn-ea"/>
+              </a:rPr>
+              <a:t>	- status: done or wait </a:t>
+            </a:r>
+          </a:p>
+          <a:p>
+            <a:pPr fontAlgn="auto">
+              <a:lnSpc>
+                <a:spcPct val="130000"/>
+              </a:lnSpc>
+              <a:buFont typeface="+mj-ea"/>
+              <a:buNone/>
+            </a:pPr>
+            <a:r>
+              <a:rPr lang="en-US" altLang="zh-CN" sz="1400" dirty="0">
+                <a:sym typeface="+mn-ea"/>
+              </a:rPr>
+              <a:t>	- type: data or select or union... 	</a:t>
+            </a:r>
+          </a:p>
+          <a:p>
+            <a:pPr fontAlgn="auto">
+              <a:lnSpc>
+                <a:spcPct val="130000"/>
+              </a:lnSpc>
+              <a:buFont typeface="+mj-ea"/>
+              <a:buNone/>
+            </a:pPr>
+            <a:r>
+              <a:rPr lang="en-US" altLang="zh-CN" sz="1400" dirty="0">
+                <a:sym typeface="+mn-ea"/>
+              </a:rPr>
+              <a:t>	- </a:t>
+            </a:r>
+            <a:r>
+              <a:rPr lang="en-US" altLang="zh-CN" sz="1400" dirty="0" err="1">
+                <a:sym typeface="+mn-ea"/>
+              </a:rPr>
+              <a:t>tmp_table</a:t>
+            </a:r>
+            <a:r>
+              <a:rPr lang="en-US" altLang="zh-CN" sz="1400" dirty="0">
+                <a:sym typeface="+mn-ea"/>
+              </a:rPr>
+              <a:t>: </a:t>
+            </a:r>
+            <a:r>
+              <a:rPr lang="en-US" altLang="zh-CN" sz="1400" dirty="0" err="1">
+                <a:sym typeface="+mn-ea"/>
+              </a:rPr>
+              <a:t>temp_x</a:t>
+            </a:r>
+            <a:endParaRPr lang="en-US" altLang="zh-CN" sz="1400" dirty="0">
+              <a:sym typeface="+mn-ea"/>
+            </a:endParaRPr>
+          </a:p>
+          <a:p>
+            <a:pPr fontAlgn="auto">
+              <a:lnSpc>
+                <a:spcPct val="130000"/>
+              </a:lnSpc>
+              <a:buFont typeface="+mj-ea"/>
+              <a:buNone/>
+            </a:pPr>
+            <a:r>
+              <a:rPr lang="en-US" altLang="zh-CN" sz="1400" dirty="0">
+                <a:sym typeface="+mn-ea"/>
+              </a:rPr>
+              <a:t>	- locate: </a:t>
+            </a:r>
+            <a:r>
+              <a:rPr lang="en-US" altLang="zh-CN" sz="1400" dirty="0" err="1">
+                <a:sym typeface="+mn-ea"/>
+              </a:rPr>
+              <a:t>site_x</a:t>
+            </a:r>
+            <a:endParaRPr lang="en-US" altLang="zh-CN" sz="1400" dirty="0">
+              <a:sym typeface="+mn-ea"/>
+            </a:endParaRPr>
+          </a:p>
+          <a:p>
+            <a:pPr indent="0" fontAlgn="auto">
+              <a:lnSpc>
+                <a:spcPct val="130000"/>
+              </a:lnSpc>
+              <a:buFont typeface="+mj-ea"/>
+              <a:buNone/>
+            </a:pPr>
+            <a:r>
+              <a:rPr lang="en-US" altLang="zh-CN" sz="1400" dirty="0">
+                <a:sym typeface="+mn-ea"/>
+              </a:rPr>
+              <a:t>	- </a:t>
+            </a:r>
+            <a:r>
+              <a:rPr lang="en-US" altLang="zh-CN" sz="1400" dirty="0" err="1">
+                <a:sym typeface="+mn-ea"/>
+              </a:rPr>
+              <a:t>if_transfer</a:t>
+            </a:r>
+            <a:r>
+              <a:rPr lang="en-US" altLang="zh-CN" sz="1400" dirty="0">
+                <a:sym typeface="+mn-ea"/>
+              </a:rPr>
+              <a:t>: Y</a:t>
+            </a:r>
+          </a:p>
+          <a:p>
+            <a:pPr fontAlgn="auto">
+              <a:lnSpc>
+                <a:spcPct val="130000"/>
+              </a:lnSpc>
+              <a:buFont typeface="+mj-ea"/>
+              <a:buNone/>
+            </a:pPr>
+            <a:r>
+              <a:rPr lang="en-US" altLang="zh-CN" sz="1400" dirty="0">
+                <a:sym typeface="+mn-ea"/>
+              </a:rPr>
+              <a:t>	- </a:t>
+            </a:r>
+            <a:r>
+              <a:rPr lang="en-US" altLang="zh-CN" sz="1400" dirty="0" err="1">
+                <a:sym typeface="+mn-ea"/>
+              </a:rPr>
+              <a:t>dest</a:t>
+            </a:r>
+            <a:r>
+              <a:rPr lang="en-US" altLang="zh-CN" sz="1400" dirty="0">
+                <a:sym typeface="+mn-ea"/>
+              </a:rPr>
+              <a:t>: </a:t>
+            </a:r>
+            <a:r>
+              <a:rPr lang="en-US" altLang="zh-CN" sz="1400" dirty="0" err="1">
+                <a:sym typeface="+mn-ea"/>
+              </a:rPr>
+              <a:t>site_x</a:t>
+            </a:r>
+            <a:r>
+              <a:rPr lang="en-US" altLang="zh-CN" sz="1400" dirty="0">
+                <a:sym typeface="+mn-ea"/>
+              </a:rPr>
+              <a:t> or </a:t>
+            </a:r>
+            <a:r>
+              <a:rPr lang="en-US" altLang="zh-CN" sz="1400" dirty="0" err="1">
+                <a:sym typeface="+mn-ea"/>
+              </a:rPr>
+              <a:t>node_x</a:t>
+            </a:r>
+            <a:r>
+              <a:rPr lang="en-US" altLang="zh-CN" sz="1400" dirty="0">
+                <a:sym typeface="+mn-ea"/>
+              </a:rPr>
+              <a:t> or </a:t>
+            </a:r>
+            <a:r>
+              <a:rPr lang="en-US" altLang="zh-CN" sz="1400" dirty="0" err="1">
+                <a:sym typeface="+mn-ea"/>
+              </a:rPr>
+              <a:t>ip</a:t>
+            </a:r>
+            <a:endParaRPr lang="en-US" altLang="zh-CN" sz="1400" dirty="0">
+              <a:sym typeface="+mn-ea"/>
+            </a:endParaRPr>
+          </a:p>
+          <a:p>
+            <a:pPr fontAlgn="auto">
+              <a:lnSpc>
+                <a:spcPct val="130000"/>
+              </a:lnSpc>
+              <a:buFont typeface="+mj-ea"/>
+              <a:buNone/>
+            </a:pPr>
+            <a:r>
+              <a:rPr lang="en-US" altLang="zh-CN" sz="1400" dirty="0">
+                <a:sym typeface="+mn-ea"/>
+              </a:rPr>
+              <a:t>	- detail: id = 200000 ...</a:t>
+            </a:r>
+          </a:p>
+          <a:p>
+            <a:pPr fontAlgn="auto">
+              <a:lnSpc>
+                <a:spcPct val="130000"/>
+              </a:lnSpc>
+              <a:buFont typeface="+mj-ea"/>
+              <a:buNone/>
+            </a:pPr>
             <a:endParaRPr lang="zh-CN" altLang="en-US" dirty="0"/>
           </a:p>
         </p:txBody>
       </p:sp>
-      <p:cxnSp>
-        <p:nvCxnSpPr>
-          <p:cNvPr id="10" name="直接箭头连接符 9">
-            <a:extLst>
-              <a:ext uri="{FF2B5EF4-FFF2-40B4-BE49-F238E27FC236}">
-                <a16:creationId xmlns:a16="http://schemas.microsoft.com/office/drawing/2014/main" id="{B369AD75-3BE0-44B6-A113-A9ADAA35DFD5}"/>
-              </a:ext>
-            </a:extLst>
-          </p:cNvPr>
-          <p:cNvCxnSpPr>
-            <a:cxnSpLocks/>
-            <a:endCxn id="20" idx="0"/>
-          </p:cNvCxnSpPr>
-          <p:nvPr/>
-        </p:nvCxnSpPr>
-        <p:spPr>
-          <a:xfrm>
-            <a:off x="8586226" y="4962618"/>
-            <a:ext cx="406135" cy="793735"/>
-          </a:xfrm>
-          <a:prstGeom prst="straightConnector1">
-            <a:avLst/>
-          </a:prstGeom>
-          <a:ln>
-            <a:tailEnd type="triangle"/>
-          </a:ln>
-        </p:spPr>
-        <p:style>
-          <a:lnRef idx="2">
-            <a:schemeClr val="dk1"/>
-          </a:lnRef>
-          <a:fillRef idx="0">
-            <a:schemeClr val="dk1"/>
-          </a:fillRef>
-          <a:effectRef idx="1">
-            <a:schemeClr val="dk1"/>
-          </a:effectRef>
-          <a:fontRef idx="minor">
-            <a:schemeClr val="tx1"/>
-          </a:fontRef>
-        </p:style>
-      </p:cxnSp>
-      <p:sp>
-        <p:nvSpPr>
-          <p:cNvPr id="20" name="文本框 19">
-            <a:extLst>
-              <a:ext uri="{FF2B5EF4-FFF2-40B4-BE49-F238E27FC236}">
-                <a16:creationId xmlns:a16="http://schemas.microsoft.com/office/drawing/2014/main" id="{52BA3D63-A43A-4848-BD8D-60CABCE335FC}"/>
-              </a:ext>
-            </a:extLst>
-          </p:cNvPr>
-          <p:cNvSpPr txBox="1"/>
-          <p:nvPr/>
-        </p:nvSpPr>
-        <p:spPr>
-          <a:xfrm>
-            <a:off x="8503874" y="5756352"/>
-            <a:ext cx="976973" cy="369332"/>
-          </a:xfrm>
-          <a:prstGeom prst="rect">
-            <a:avLst/>
-          </a:prstGeom>
-          <a:noFill/>
-        </p:spPr>
-        <p:txBody>
-          <a:bodyPr wrap="square" rtlCol="0">
-            <a:spAutoFit/>
-          </a:bodyPr>
-          <a:lstStyle/>
-          <a:p>
-            <a:r>
-              <a:rPr lang="zh-CN" altLang="en-US" dirty="0"/>
-              <a:t>节点</a:t>
-            </a:r>
-            <a:r>
-              <a:rPr lang="en-US" altLang="zh-CN" dirty="0"/>
-              <a:t>N2</a:t>
-            </a:r>
-            <a:endParaRPr lang="zh-CN" altLang="en-US" dirty="0"/>
-          </a:p>
-        </p:txBody>
-      </p:sp>
-      <p:sp>
-        <p:nvSpPr>
-          <p:cNvPr id="22" name="文本框 21">
-            <a:extLst>
-              <a:ext uri="{FF2B5EF4-FFF2-40B4-BE49-F238E27FC236}">
-                <a16:creationId xmlns:a16="http://schemas.microsoft.com/office/drawing/2014/main" id="{9CE6D858-7A47-4578-A399-0DE1A9F2A75A}"/>
-              </a:ext>
-            </a:extLst>
-          </p:cNvPr>
-          <p:cNvSpPr txBox="1"/>
-          <p:nvPr/>
-        </p:nvSpPr>
-        <p:spPr>
-          <a:xfrm>
-            <a:off x="6970926" y="3127093"/>
-            <a:ext cx="976973" cy="369332"/>
-          </a:xfrm>
-          <a:prstGeom prst="rect">
-            <a:avLst/>
-          </a:prstGeom>
-          <a:noFill/>
-        </p:spPr>
-        <p:txBody>
-          <a:bodyPr wrap="square" rtlCol="0">
-            <a:spAutoFit/>
-          </a:bodyPr>
-          <a:lstStyle/>
-          <a:p>
-            <a:r>
-              <a:rPr lang="zh-CN" altLang="en-US" dirty="0"/>
-              <a:t>节点</a:t>
-            </a:r>
-            <a:r>
-              <a:rPr lang="en-US" altLang="zh-CN" dirty="0"/>
-              <a:t>N3</a:t>
-            </a:r>
-            <a:endParaRPr lang="zh-CN" altLang="en-US" dirty="0"/>
-          </a:p>
-        </p:txBody>
-      </p:sp>
-      <p:cxnSp>
-        <p:nvCxnSpPr>
-          <p:cNvPr id="23" name="直接箭头连接符 22">
-            <a:extLst>
-              <a:ext uri="{FF2B5EF4-FFF2-40B4-BE49-F238E27FC236}">
-                <a16:creationId xmlns:a16="http://schemas.microsoft.com/office/drawing/2014/main" id="{8A2E6221-636F-443E-ACE3-947CE7D1BEFE}"/>
-              </a:ext>
-            </a:extLst>
-          </p:cNvPr>
-          <p:cNvCxnSpPr>
-            <a:cxnSpLocks/>
-            <a:endCxn id="22" idx="2"/>
-          </p:cNvCxnSpPr>
-          <p:nvPr/>
-        </p:nvCxnSpPr>
-        <p:spPr>
-          <a:xfrm flipH="1" flipV="1">
-            <a:off x="7459413" y="3496426"/>
-            <a:ext cx="441501" cy="383117"/>
-          </a:xfrm>
-          <a:prstGeom prst="straightConnector1">
-            <a:avLst/>
-          </a:prstGeom>
-          <a:ln>
-            <a:tailEnd type="triangle"/>
-          </a:ln>
-        </p:spPr>
-        <p:style>
-          <a:lnRef idx="2">
-            <a:schemeClr val="dk1"/>
-          </a:lnRef>
-          <a:fillRef idx="0">
-            <a:schemeClr val="dk1"/>
-          </a:fillRef>
-          <a:effectRef idx="1">
-            <a:schemeClr val="dk1"/>
-          </a:effectRef>
-          <a:fontRef idx="minor">
-            <a:schemeClr val="tx1"/>
-          </a:fontRef>
-        </p:style>
-      </p:cxnSp>
     </p:spTree>
     <p:extLst>
       <p:ext uri="{BB962C8B-B14F-4D97-AF65-F5344CB8AC3E}">
@@ -12247,47 +13141,240 @@
           </a:p>
         </p:txBody>
       </p:sp>
-      <p:pic>
-        <p:nvPicPr>
-          <p:cNvPr id="12" name="图片 11">
+      <p:grpSp>
+        <p:nvGrpSpPr>
+          <p:cNvPr id="3" name="组合 2">
             <a:extLst>
               <a:ext uri="{FF2B5EF4-FFF2-40B4-BE49-F238E27FC236}">
-                <a16:creationId xmlns:a16="http://schemas.microsoft.com/office/drawing/2014/main" id="{DC44518D-F9B2-4C4F-B7E2-D5663B6BE222}"/>
+                <a16:creationId xmlns:a16="http://schemas.microsoft.com/office/drawing/2014/main" id="{6C4F4627-27A7-AA4D-8730-DB280FD07CC4}"/>
               </a:ext>
             </a:extLst>
           </p:cNvPr>
-          <p:cNvPicPr>
-            <a:picLocks noChangeAspect="1"/>
-          </p:cNvPicPr>
+          <p:cNvGrpSpPr/>
           <p:nvPr/>
-        </p:nvPicPr>
-        <p:blipFill rotWithShape="1">
-          <a:blip r:embed="rId3" cstate="email">
-            <a:extLst>
-              <a:ext uri="{28A0092B-C50C-407E-A947-70E740481C1C}">
-                <a14:useLocalDpi xmlns:a14="http://schemas.microsoft.com/office/drawing/2010/main" val="0"/>
-              </a:ext>
-            </a:extLst>
-          </a:blip>
-          <a:srcRect r="49629"/>
-          <a:stretch/>
-        </p:blipFill>
-        <p:spPr>
+        </p:nvGrpSpPr>
+        <p:grpSpPr>
           <a:xfrm>
-            <a:off x="7552013" y="1865117"/>
-            <a:ext cx="3009456" cy="3737172"/>
-          </a:xfrm>
-          <a:prstGeom prst="rect">
-            <a:avLst/>
-          </a:prstGeom>
-        </p:spPr>
-      </p:pic>
-      <p:sp>
-        <p:nvSpPr>
-          <p:cNvPr id="13" name="矩形 12">
+            <a:off x="7293316" y="2739827"/>
+            <a:ext cx="3755684" cy="3737173"/>
+            <a:chOff x="6805785" y="1865117"/>
+            <a:chExt cx="3755684" cy="3737173"/>
+          </a:xfrm>
+        </p:grpSpPr>
+        <p:pic>
+          <p:nvPicPr>
+            <p:cNvPr id="12" name="图片 11">
+              <a:extLst>
+                <a:ext uri="{FF2B5EF4-FFF2-40B4-BE49-F238E27FC236}">
+                  <a16:creationId xmlns:a16="http://schemas.microsoft.com/office/drawing/2014/main" id="{DC44518D-F9B2-4C4F-B7E2-D5663B6BE222}"/>
+                </a:ext>
+              </a:extLst>
+            </p:cNvPr>
+            <p:cNvPicPr>
+              <a:picLocks noChangeAspect="1"/>
+            </p:cNvPicPr>
+            <p:nvPr/>
+          </p:nvPicPr>
+          <p:blipFill rotWithShape="1">
+            <a:blip r:embed="rId3" cstate="email">
+              <a:extLst>
+                <a:ext uri="{28A0092B-C50C-407E-A947-70E740481C1C}">
+                  <a14:useLocalDpi xmlns:a14="http://schemas.microsoft.com/office/drawing/2010/main" val="0"/>
+                </a:ext>
+              </a:extLst>
+            </a:blip>
+            <a:srcRect r="49629"/>
+            <a:stretch/>
+          </p:blipFill>
+          <p:spPr>
+            <a:xfrm>
+              <a:off x="7552013" y="1865117"/>
+              <a:ext cx="3009456" cy="3737172"/>
+            </a:xfrm>
+            <a:prstGeom prst="rect">
+              <a:avLst/>
+            </a:prstGeom>
+          </p:spPr>
+        </p:pic>
+        <p:sp>
+          <p:nvSpPr>
+            <p:cNvPr id="13" name="矩形 12">
+              <a:extLst>
+                <a:ext uri="{FF2B5EF4-FFF2-40B4-BE49-F238E27FC236}">
+                  <a16:creationId xmlns:a16="http://schemas.microsoft.com/office/drawing/2014/main" id="{FC6EDA35-A551-45A5-A557-88F47A112431}"/>
+                </a:ext>
+              </a:extLst>
+            </p:cNvPr>
+            <p:cNvSpPr/>
+            <p:nvPr/>
+          </p:nvSpPr>
+          <p:spPr>
+            <a:xfrm>
+              <a:off x="7397844" y="3127094"/>
+              <a:ext cx="1352580" cy="2475196"/>
+            </a:xfrm>
+            <a:prstGeom prst="rect">
+              <a:avLst/>
+            </a:prstGeom>
+            <a:noFill/>
+            <a:ln w="28575">
+              <a:solidFill>
+                <a:srgbClr val="00B0F0"/>
+              </a:solidFill>
+              <a:prstDash val="dash"/>
+            </a:ln>
+          </p:spPr>
+          <p:style>
+            <a:lnRef idx="1">
+              <a:schemeClr val="accent1"/>
+            </a:lnRef>
+            <a:fillRef idx="3">
+              <a:schemeClr val="accent1"/>
+            </a:fillRef>
+            <a:effectRef idx="2">
+              <a:schemeClr val="accent1"/>
+            </a:effectRef>
+            <a:fontRef idx="minor">
+              <a:schemeClr val="lt1"/>
+            </a:fontRef>
+          </p:style>
+          <p:txBody>
+            <a:bodyPr rtlCol="0" anchor="ctr"/>
+            <a:lstStyle/>
+            <a:p>
+              <a:pPr algn="ctr"/>
+              <a:endParaRPr lang="zh-CN" altLang="en-US"/>
+            </a:p>
+          </p:txBody>
+        </p:sp>
+        <p:sp>
+          <p:nvSpPr>
+            <p:cNvPr id="22" name="文本框 21">
+              <a:extLst>
+                <a:ext uri="{FF2B5EF4-FFF2-40B4-BE49-F238E27FC236}">
+                  <a16:creationId xmlns:a16="http://schemas.microsoft.com/office/drawing/2014/main" id="{9CE6D858-7A47-4578-A399-0DE1A9F2A75A}"/>
+                </a:ext>
+              </a:extLst>
+            </p:cNvPr>
+            <p:cNvSpPr txBox="1"/>
+            <p:nvPr/>
+          </p:nvSpPr>
+          <p:spPr>
+            <a:xfrm>
+              <a:off x="6805785" y="3879542"/>
+              <a:ext cx="976973" cy="369332"/>
+            </a:xfrm>
+            <a:prstGeom prst="rect">
+              <a:avLst/>
+            </a:prstGeom>
+            <a:noFill/>
+          </p:spPr>
+          <p:txBody>
+            <a:bodyPr wrap="square" rtlCol="0">
+              <a:spAutoFit/>
+            </a:bodyPr>
+            <a:lstStyle/>
+            <a:p>
+              <a:r>
+                <a:rPr lang="zh-CN" altLang="en-US" dirty="0"/>
+                <a:t>节点</a:t>
+              </a:r>
+              <a:r>
+                <a:rPr lang="en-US" altLang="zh-CN" dirty="0"/>
+                <a:t>N3</a:t>
+              </a:r>
+              <a:endParaRPr lang="zh-CN" altLang="en-US" dirty="0"/>
+            </a:p>
+          </p:txBody>
+        </p:sp>
+        <p:cxnSp>
+          <p:nvCxnSpPr>
+            <p:cNvPr id="23" name="直接箭头连接符 22">
+              <a:extLst>
+                <a:ext uri="{FF2B5EF4-FFF2-40B4-BE49-F238E27FC236}">
+                  <a16:creationId xmlns:a16="http://schemas.microsoft.com/office/drawing/2014/main" id="{8A2E6221-636F-443E-ACE3-947CE7D1BEFE}"/>
+                </a:ext>
+              </a:extLst>
+            </p:cNvPr>
+            <p:cNvCxnSpPr>
+              <a:cxnSpLocks/>
+            </p:cNvCxnSpPr>
+            <p:nvPr/>
+          </p:nvCxnSpPr>
+          <p:spPr>
+            <a:xfrm flipH="1" flipV="1">
+              <a:off x="7667350" y="4057316"/>
+              <a:ext cx="269577" cy="6892"/>
+            </a:xfrm>
+            <a:prstGeom prst="straightConnector1">
+              <a:avLst/>
+            </a:prstGeom>
+            <a:ln>
+              <a:tailEnd type="triangle"/>
+            </a:ln>
+          </p:spPr>
+          <p:style>
+            <a:lnRef idx="2">
+              <a:schemeClr val="dk1"/>
+            </a:lnRef>
+            <a:fillRef idx="0">
+              <a:schemeClr val="dk1"/>
+            </a:fillRef>
+            <a:effectRef idx="1">
+              <a:schemeClr val="dk1"/>
+            </a:effectRef>
+            <a:fontRef idx="minor">
+              <a:schemeClr val="tx1"/>
+            </a:fontRef>
+          </p:style>
+        </p:cxnSp>
+        <p:sp>
+          <p:nvSpPr>
+            <p:cNvPr id="9" name="文本框 8">
+              <a:extLst>
+                <a:ext uri="{FF2B5EF4-FFF2-40B4-BE49-F238E27FC236}">
+                  <a16:creationId xmlns:a16="http://schemas.microsoft.com/office/drawing/2014/main" id="{39D89AAF-B337-45BF-A3D3-DF617CFFF6FA}"/>
+                </a:ext>
+              </a:extLst>
+            </p:cNvPr>
+            <p:cNvSpPr txBox="1"/>
+            <p:nvPr/>
+          </p:nvSpPr>
+          <p:spPr>
+            <a:xfrm>
+              <a:off x="7381714" y="2802164"/>
+              <a:ext cx="976973" cy="369332"/>
+            </a:xfrm>
+            <a:prstGeom prst="rect">
+              <a:avLst/>
+            </a:prstGeom>
+            <a:noFill/>
+          </p:spPr>
+          <p:txBody>
+            <a:bodyPr wrap="square" rtlCol="0">
+              <a:spAutoFit/>
+            </a:bodyPr>
+            <a:lstStyle/>
+            <a:p>
+              <a:r>
+                <a:rPr lang="zh-CN" altLang="en-US" dirty="0"/>
+                <a:t>节点</a:t>
+              </a:r>
+              <a:r>
+                <a:rPr lang="en-US" altLang="zh-CN" dirty="0"/>
+                <a:t>N4</a:t>
+              </a:r>
+              <a:endParaRPr lang="zh-CN" altLang="en-US" dirty="0"/>
+            </a:p>
+          </p:txBody>
+        </p:sp>
+      </p:grpSp>
+      <p:sp>
+        <p:nvSpPr>
+          <p:cNvPr id="15" name="矩形 14">
             <a:extLst>
               <a:ext uri="{FF2B5EF4-FFF2-40B4-BE49-F238E27FC236}">
-                <a16:creationId xmlns:a16="http://schemas.microsoft.com/office/drawing/2014/main" id="{FC6EDA35-A551-45A5-A557-88F47A112431}"/>
+                <a16:creationId xmlns:a16="http://schemas.microsoft.com/office/drawing/2014/main" id="{BBCA5416-1028-0041-8CE6-E73B0B85A1B6}"/>
               </a:ext>
             </a:extLst>
           </p:cNvPr>
@@ -12296,160 +13383,323 @@
         </p:nvSpPr>
         <p:spPr>
           <a:xfrm>
-            <a:off x="7397844" y="3127094"/>
-            <a:ext cx="1352580" cy="2475196"/>
+            <a:off x="6877235" y="167195"/>
+            <a:ext cx="3515590" cy="3515118"/>
           </a:xfrm>
           <a:prstGeom prst="rect">
             <a:avLst/>
           </a:prstGeom>
-          <a:noFill/>
-          <a:ln w="28575">
-            <a:solidFill>
-              <a:srgbClr val="00B0F0"/>
-            </a:solidFill>
-            <a:prstDash val="dash"/>
-          </a:ln>
-        </p:spPr>
-        <p:style>
-          <a:lnRef idx="1">
-            <a:schemeClr val="accent1"/>
-          </a:lnRef>
-          <a:fillRef idx="3">
-            <a:schemeClr val="accent1"/>
-          </a:fillRef>
-          <a:effectRef idx="2">
-            <a:schemeClr val="accent1"/>
-          </a:effectRef>
-          <a:fontRef idx="minor">
-            <a:schemeClr val="lt1"/>
-          </a:fontRef>
-        </p:style>
-        <p:txBody>
-          <a:bodyPr rtlCol="0" anchor="ctr"/>
-          <a:lstStyle/>
-          <a:p>
-            <a:pPr algn="ctr"/>
-            <a:endParaRPr lang="zh-CN" altLang="en-US"/>
-          </a:p>
-        </p:txBody>
-      </p:sp>
-      <p:sp>
-        <p:nvSpPr>
-          <p:cNvPr id="22" name="文本框 21">
-            <a:extLst>
-              <a:ext uri="{FF2B5EF4-FFF2-40B4-BE49-F238E27FC236}">
-                <a16:creationId xmlns:a16="http://schemas.microsoft.com/office/drawing/2014/main" id="{9CE6D858-7A47-4578-A399-0DE1A9F2A75A}"/>
-              </a:ext>
-            </a:extLst>
-          </p:cNvPr>
-          <p:cNvSpPr txBox="1"/>
-          <p:nvPr/>
-        </p:nvSpPr>
-        <p:spPr>
-          <a:xfrm>
-            <a:off x="6805785" y="3879542"/>
-            <a:ext cx="976973" cy="369332"/>
-          </a:xfrm>
-          <a:prstGeom prst="rect">
-            <a:avLst/>
-          </a:prstGeom>
-          <a:noFill/>
         </p:spPr>
         <p:txBody>
-          <a:bodyPr wrap="square" rtlCol="0">
+          <a:bodyPr wrap="square">
             <a:spAutoFit/>
           </a:bodyPr>
           <a:lstStyle/>
           <a:p>
-            <a:r>
-              <a:rPr lang="zh-CN" altLang="en-US" dirty="0"/>
-              <a:t>节点</a:t>
-            </a:r>
-            <a:r>
-              <a:rPr lang="en-US" altLang="zh-CN" dirty="0"/>
-              <a:t>N3</a:t>
-            </a:r>
-            <a:endParaRPr lang="zh-CN" altLang="en-US" dirty="0"/>
-          </a:p>
-        </p:txBody>
-      </p:sp>
-      <p:cxnSp>
-        <p:nvCxnSpPr>
-          <p:cNvPr id="23" name="直接箭头连接符 22">
-            <a:extLst>
-              <a:ext uri="{FF2B5EF4-FFF2-40B4-BE49-F238E27FC236}">
-                <a16:creationId xmlns:a16="http://schemas.microsoft.com/office/drawing/2014/main" id="{8A2E6221-636F-443E-ACE3-947CE7D1BEFE}"/>
-              </a:ext>
-            </a:extLst>
-          </p:cNvPr>
-          <p:cNvCxnSpPr>
-            <a:cxnSpLocks/>
-          </p:cNvCxnSpPr>
-          <p:nvPr/>
-        </p:nvCxnSpPr>
-        <p:spPr>
-          <a:xfrm flipH="1" flipV="1">
-            <a:off x="7667350" y="4057316"/>
-            <a:ext cx="269577" cy="6892"/>
-          </a:xfrm>
-          <a:prstGeom prst="straightConnector1">
-            <a:avLst/>
-          </a:prstGeom>
-          <a:ln>
-            <a:tailEnd type="triangle"/>
-          </a:ln>
-        </p:spPr>
-        <p:style>
-          <a:lnRef idx="2">
-            <a:schemeClr val="dk1"/>
-          </a:lnRef>
-          <a:fillRef idx="0">
-            <a:schemeClr val="dk1"/>
-          </a:fillRef>
-          <a:effectRef idx="1">
-            <a:schemeClr val="dk1"/>
-          </a:effectRef>
-          <a:fontRef idx="minor">
-            <a:schemeClr val="tx1"/>
-          </a:fontRef>
-        </p:style>
-      </p:cxnSp>
-      <p:sp>
-        <p:nvSpPr>
-          <p:cNvPr id="9" name="文本框 8">
-            <a:extLst>
-              <a:ext uri="{FF2B5EF4-FFF2-40B4-BE49-F238E27FC236}">
-                <a16:creationId xmlns:a16="http://schemas.microsoft.com/office/drawing/2014/main" id="{39D89AAF-B337-45BF-A3D3-DF617CFFF6FA}"/>
-              </a:ext>
-            </a:extLst>
-          </p:cNvPr>
-          <p:cNvSpPr txBox="1"/>
-          <p:nvPr/>
-        </p:nvSpPr>
-        <p:spPr>
-          <a:xfrm>
-            <a:off x="7381714" y="2802164"/>
-            <a:ext cx="976973" cy="369332"/>
-          </a:xfrm>
-          <a:prstGeom prst="rect">
-            <a:avLst/>
-          </a:prstGeom>
-          <a:noFill/>
-        </p:spPr>
-        <p:txBody>
-          <a:bodyPr wrap="square" rtlCol="0">
-            <a:spAutoFit/>
-          </a:bodyPr>
-          <a:lstStyle/>
-          <a:p>
-            <a:r>
-              <a:rPr lang="zh-CN" altLang="en-US" dirty="0"/>
-              <a:t>节点</a:t>
-            </a:r>
-            <a:r>
-              <a:rPr lang="en-US" altLang="zh-CN" dirty="0"/>
-              <a:t>N4</a:t>
-            </a:r>
+            <a:pPr indent="0" fontAlgn="auto">
+              <a:lnSpc>
+                <a:spcPct val="130000"/>
+              </a:lnSpc>
+              <a:buFont typeface="+mj-ea"/>
+              <a:buNone/>
+            </a:pPr>
+            <a:r>
+              <a:rPr lang="en-US" altLang="zh-CN" sz="1400" dirty="0">
+                <a:solidFill>
+                  <a:srgbClr val="C00000"/>
+                </a:solidFill>
+                <a:sym typeface="+mn-ea"/>
+              </a:rPr>
+              <a:t> /</a:t>
+            </a:r>
+            <a:r>
+              <a:rPr lang="en-US" altLang="zh-CN" sz="1400" dirty="0" err="1">
+                <a:solidFill>
+                  <a:srgbClr val="C00000"/>
+                </a:solidFill>
+                <a:sym typeface="+mn-ea"/>
+              </a:rPr>
+              <a:t>Node_x</a:t>
+            </a:r>
+            <a:endParaRPr lang="en-US" altLang="zh-CN" sz="1400" dirty="0">
+              <a:sym typeface="+mn-ea"/>
+            </a:endParaRPr>
+          </a:p>
+          <a:p>
+            <a:pPr fontAlgn="auto">
+              <a:lnSpc>
+                <a:spcPct val="130000"/>
+              </a:lnSpc>
+              <a:buFont typeface="+mj-ea"/>
+              <a:buNone/>
+            </a:pPr>
+            <a:r>
+              <a:rPr lang="en-US" altLang="zh-CN" sz="1400" dirty="0">
+                <a:sym typeface="+mn-ea"/>
+              </a:rPr>
+              <a:t>	- left: </a:t>
+            </a:r>
+            <a:r>
+              <a:rPr lang="en-US" altLang="zh-CN" sz="1400" dirty="0" err="1">
+                <a:sym typeface="+mn-ea"/>
+              </a:rPr>
+              <a:t>Node_x</a:t>
+            </a:r>
+            <a:endParaRPr lang="en-US" altLang="zh-CN" sz="1400" dirty="0">
+              <a:sym typeface="+mn-ea"/>
+            </a:endParaRPr>
+          </a:p>
+          <a:p>
+            <a:pPr fontAlgn="auto">
+              <a:lnSpc>
+                <a:spcPct val="130000"/>
+              </a:lnSpc>
+              <a:buFont typeface="+mj-ea"/>
+              <a:buNone/>
+            </a:pPr>
+            <a:r>
+              <a:rPr lang="en-US" altLang="zh-CN" sz="1400" dirty="0">
+                <a:sym typeface="+mn-ea"/>
+              </a:rPr>
+              <a:t>	- right: </a:t>
+            </a:r>
+            <a:r>
+              <a:rPr lang="en-US" altLang="zh-CN" sz="1400" dirty="0" err="1">
+                <a:sym typeface="+mn-ea"/>
+              </a:rPr>
+              <a:t>Node_x</a:t>
+            </a:r>
+            <a:endParaRPr lang="en-US" altLang="zh-CN" sz="1400" dirty="0">
+              <a:sym typeface="+mn-ea"/>
+            </a:endParaRPr>
+          </a:p>
+          <a:p>
+            <a:pPr fontAlgn="auto">
+              <a:lnSpc>
+                <a:spcPct val="130000"/>
+              </a:lnSpc>
+              <a:buFont typeface="+mj-ea"/>
+              <a:buNone/>
+            </a:pPr>
+            <a:r>
+              <a:rPr lang="en-US" altLang="zh-CN" sz="1400" dirty="0">
+                <a:sym typeface="+mn-ea"/>
+              </a:rPr>
+              <a:t>	- parent: </a:t>
+            </a:r>
+            <a:r>
+              <a:rPr lang="en-US" altLang="zh-CN" sz="1400" dirty="0" err="1">
+                <a:sym typeface="+mn-ea"/>
+              </a:rPr>
+              <a:t>Node_x</a:t>
+            </a:r>
+            <a:r>
+              <a:rPr lang="en-US" altLang="zh-CN" sz="1400" dirty="0">
+                <a:sym typeface="+mn-ea"/>
+              </a:rPr>
+              <a:t>  </a:t>
+            </a:r>
+          </a:p>
+          <a:p>
+            <a:pPr fontAlgn="auto">
+              <a:lnSpc>
+                <a:spcPct val="130000"/>
+              </a:lnSpc>
+              <a:buFont typeface="+mj-ea"/>
+              <a:buNone/>
+            </a:pPr>
+            <a:r>
+              <a:rPr lang="en-US" altLang="zh-CN" sz="1400" dirty="0">
+                <a:sym typeface="+mn-ea"/>
+              </a:rPr>
+              <a:t>	- status: done or wait </a:t>
+            </a:r>
+          </a:p>
+          <a:p>
+            <a:pPr fontAlgn="auto">
+              <a:lnSpc>
+                <a:spcPct val="130000"/>
+              </a:lnSpc>
+              <a:buFont typeface="+mj-ea"/>
+              <a:buNone/>
+            </a:pPr>
+            <a:r>
+              <a:rPr lang="en-US" altLang="zh-CN" sz="1400" dirty="0">
+                <a:sym typeface="+mn-ea"/>
+              </a:rPr>
+              <a:t>	- type: data or select or union... 	</a:t>
+            </a:r>
+          </a:p>
+          <a:p>
+            <a:pPr fontAlgn="auto">
+              <a:lnSpc>
+                <a:spcPct val="130000"/>
+              </a:lnSpc>
+              <a:buFont typeface="+mj-ea"/>
+              <a:buNone/>
+            </a:pPr>
+            <a:r>
+              <a:rPr lang="en-US" altLang="zh-CN" sz="1400" dirty="0">
+                <a:sym typeface="+mn-ea"/>
+              </a:rPr>
+              <a:t>	- </a:t>
+            </a:r>
+            <a:r>
+              <a:rPr lang="en-US" altLang="zh-CN" sz="1400" dirty="0" err="1">
+                <a:sym typeface="+mn-ea"/>
+              </a:rPr>
+              <a:t>tmp_table</a:t>
+            </a:r>
+            <a:r>
+              <a:rPr lang="en-US" altLang="zh-CN" sz="1400" dirty="0">
+                <a:sym typeface="+mn-ea"/>
+              </a:rPr>
+              <a:t>: </a:t>
+            </a:r>
+            <a:r>
+              <a:rPr lang="en-US" altLang="zh-CN" sz="1400" dirty="0" err="1">
+                <a:sym typeface="+mn-ea"/>
+              </a:rPr>
+              <a:t>temp_x</a:t>
+            </a:r>
+            <a:endParaRPr lang="en-US" altLang="zh-CN" sz="1400" dirty="0">
+              <a:sym typeface="+mn-ea"/>
+            </a:endParaRPr>
+          </a:p>
+          <a:p>
+            <a:pPr fontAlgn="auto">
+              <a:lnSpc>
+                <a:spcPct val="130000"/>
+              </a:lnSpc>
+              <a:buFont typeface="+mj-ea"/>
+              <a:buNone/>
+            </a:pPr>
+            <a:r>
+              <a:rPr lang="en-US" altLang="zh-CN" sz="1400" dirty="0">
+                <a:sym typeface="+mn-ea"/>
+              </a:rPr>
+              <a:t>	- locate: </a:t>
+            </a:r>
+            <a:r>
+              <a:rPr lang="en-US" altLang="zh-CN" sz="1400" dirty="0" err="1">
+                <a:sym typeface="+mn-ea"/>
+              </a:rPr>
+              <a:t>site_x</a:t>
+            </a:r>
+            <a:endParaRPr lang="en-US" altLang="zh-CN" sz="1400" dirty="0">
+              <a:sym typeface="+mn-ea"/>
+            </a:endParaRPr>
+          </a:p>
+          <a:p>
+            <a:pPr indent="0" fontAlgn="auto">
+              <a:lnSpc>
+                <a:spcPct val="130000"/>
+              </a:lnSpc>
+              <a:buFont typeface="+mj-ea"/>
+              <a:buNone/>
+            </a:pPr>
+            <a:r>
+              <a:rPr lang="en-US" altLang="zh-CN" sz="1400" dirty="0">
+                <a:sym typeface="+mn-ea"/>
+              </a:rPr>
+              <a:t>	- </a:t>
+            </a:r>
+            <a:r>
+              <a:rPr lang="en-US" altLang="zh-CN" sz="1400" dirty="0" err="1">
+                <a:sym typeface="+mn-ea"/>
+              </a:rPr>
+              <a:t>if_transfer</a:t>
+            </a:r>
+            <a:r>
+              <a:rPr lang="en-US" altLang="zh-CN" sz="1400" dirty="0">
+                <a:sym typeface="+mn-ea"/>
+              </a:rPr>
+              <a:t>: Y</a:t>
+            </a:r>
+          </a:p>
+          <a:p>
+            <a:pPr fontAlgn="auto">
+              <a:lnSpc>
+                <a:spcPct val="130000"/>
+              </a:lnSpc>
+              <a:buFont typeface="+mj-ea"/>
+              <a:buNone/>
+            </a:pPr>
+            <a:r>
+              <a:rPr lang="en-US" altLang="zh-CN" sz="1400" dirty="0">
+                <a:sym typeface="+mn-ea"/>
+              </a:rPr>
+              <a:t>	- </a:t>
+            </a:r>
+            <a:r>
+              <a:rPr lang="en-US" altLang="zh-CN" sz="1400" dirty="0" err="1">
+                <a:sym typeface="+mn-ea"/>
+              </a:rPr>
+              <a:t>dest</a:t>
+            </a:r>
+            <a:r>
+              <a:rPr lang="en-US" altLang="zh-CN" sz="1400" dirty="0">
+                <a:sym typeface="+mn-ea"/>
+              </a:rPr>
+              <a:t>: </a:t>
+            </a:r>
+            <a:r>
+              <a:rPr lang="en-US" altLang="zh-CN" sz="1400" dirty="0" err="1">
+                <a:sym typeface="+mn-ea"/>
+              </a:rPr>
+              <a:t>site_x</a:t>
+            </a:r>
+            <a:r>
+              <a:rPr lang="en-US" altLang="zh-CN" sz="1400" dirty="0">
+                <a:sym typeface="+mn-ea"/>
+              </a:rPr>
+              <a:t> or </a:t>
+            </a:r>
+            <a:r>
+              <a:rPr lang="en-US" altLang="zh-CN" sz="1400" dirty="0" err="1">
+                <a:sym typeface="+mn-ea"/>
+              </a:rPr>
+              <a:t>node_x</a:t>
+            </a:r>
+            <a:r>
+              <a:rPr lang="en-US" altLang="zh-CN" sz="1400" dirty="0">
+                <a:sym typeface="+mn-ea"/>
+              </a:rPr>
+              <a:t> or </a:t>
+            </a:r>
+            <a:r>
+              <a:rPr lang="en-US" altLang="zh-CN" sz="1400" dirty="0" err="1">
+                <a:sym typeface="+mn-ea"/>
+              </a:rPr>
+              <a:t>ip</a:t>
+            </a:r>
+            <a:endParaRPr lang="en-US" altLang="zh-CN" sz="1400" dirty="0">
+              <a:sym typeface="+mn-ea"/>
+            </a:endParaRPr>
+          </a:p>
+          <a:p>
+            <a:pPr fontAlgn="auto">
+              <a:lnSpc>
+                <a:spcPct val="130000"/>
+              </a:lnSpc>
+              <a:buFont typeface="+mj-ea"/>
+              <a:buNone/>
+            </a:pPr>
+            <a:r>
+              <a:rPr lang="en-US" altLang="zh-CN" sz="1400" dirty="0">
+                <a:sym typeface="+mn-ea"/>
+              </a:rPr>
+              <a:t>	- detail: id = 200000 ...</a:t>
+            </a:r>
+          </a:p>
+          <a:p>
+            <a:pPr fontAlgn="auto">
+              <a:lnSpc>
+                <a:spcPct val="130000"/>
+              </a:lnSpc>
+              <a:buFont typeface="+mj-ea"/>
+              <a:buNone/>
+            </a:pPr>
             <a:endParaRPr lang="zh-CN" altLang="en-US" dirty="0"/>
           </a:p>
         </p:txBody>
@@ -20286,18 +21536,18 @@
 </file>
 
 <file path=customXml/item1.xml><?xml version="1.0" encoding="utf-8"?>
-<p:properties xmlns:p="http://schemas.microsoft.com/office/2006/metadata/properties" xmlns:xsi="http://www.w3.org/2001/XMLSchema-instance" xmlns:pc="http://schemas.microsoft.com/office/infopath/2007/PartnerControls">
-  <documentManagement/>
-</p:properties>
-</file>
-
-<file path=customXml/item2.xml><?xml version="1.0" encoding="utf-8"?>
 <?mso-contentType ?>
 <FormTemplates xmlns="http://schemas.microsoft.com/sharepoint/v3/contenttype/forms">
   <Display>DocumentLibraryForm</Display>
   <Edit>DocumentLibraryForm</Edit>
   <New>DocumentLibraryForm</New>
 </FormTemplates>
+</file>
+
+<file path=customXml/item2.xml><?xml version="1.0" encoding="utf-8"?>
+<p:properties xmlns:p="http://schemas.microsoft.com/office/2006/metadata/properties" xmlns:xsi="http://www.w3.org/2001/XMLSchema-instance" xmlns:pc="http://schemas.microsoft.com/office/infopath/2007/PartnerControls">
+  <documentManagement/>
+</p:properties>
 </file>
 
 <file path=customXml/item3.xml><?xml version="1.0" encoding="utf-8"?>
@@ -20350,6 +21600,14 @@
 </file>
 
 <file path=customXml/itemProps1.xml><?xml version="1.0" encoding="utf-8"?>
+<ds:datastoreItem xmlns:ds="http://schemas.openxmlformats.org/officeDocument/2006/customXml" ds:itemID="{1A855BF4-2A99-441B-9566-850307E4F0A5}">
+  <ds:schemaRefs>
+    <ds:schemaRef ds:uri="http://schemas.microsoft.com/sharepoint/v3/contenttype/forms"/>
+  </ds:schemaRefs>
+</ds:datastoreItem>
+</file>
+
+<file path=customXml/itemProps2.xml><?xml version="1.0" encoding="utf-8"?>
 <ds:datastoreItem xmlns:ds="http://schemas.openxmlformats.org/officeDocument/2006/customXml" ds:itemID="{091CAD78-C6F6-407D-A9D5-329355F07703}">
   <ds:schemaRefs>
     <ds:schemaRef ds:uri="http://purl.org/dc/elements/1.1/"/>
@@ -20360,14 +21618,6 @@
     <ds:schemaRef ds:uri="http://www.w3.org/XML/1998/namespace"/>
     <ds:schemaRef ds:uri="http://purl.org/dc/terms/"/>
     <ds:schemaRef ds:uri="http://schemas.microsoft.com/office/infopath/2007/PartnerControls"/>
-  </ds:schemaRefs>
-</ds:datastoreItem>
-</file>
-
-<file path=customXml/itemProps2.xml><?xml version="1.0" encoding="utf-8"?>
-<ds:datastoreItem xmlns:ds="http://schemas.openxmlformats.org/officeDocument/2006/customXml" ds:itemID="{1A855BF4-2A99-441B-9566-850307E4F0A5}">
-  <ds:schemaRefs>
-    <ds:schemaRef ds:uri="http://schemas.microsoft.com/sharepoint/v3/contenttype/forms"/>
   </ds:schemaRefs>
 </ds:datastoreItem>
 </file>

--- a/slides/iddb_mid.pptx
+++ b/slides/iddb_mid.pptx
@@ -250,7 +250,7 @@
             <a:fld id="{9175845F-7813-4162-8E43-89DCBF023BA5}" type="datetimeFigureOut">
               <a:rPr lang="de-DE" smtClean="0"/>
               <a:pPr/>
-              <a:t>11.11.20</a:t>
+              <a:t>12.11.20</a:t>
             </a:fld>
             <a:endParaRPr lang="de-DE"/>
           </a:p>
@@ -438,7 +438,7 @@
               <a:pPr>
                 <a:defRPr/>
               </a:pPr>
-              <a:t>11/11/20</a:t>
+              <a:t>11/12/20</a:t>
             </a:fld>
             <a:endParaRPr lang="en-US"/>
           </a:p>
@@ -5586,7 +5586,7 @@
           <a:graphicData uri="http://schemas.openxmlformats.org/presentationml/2006/ole">
             <mc:AlternateContent xmlns:mc="http://schemas.openxmlformats.org/markup-compatibility/2006">
               <mc:Choice xmlns:v="urn:schemas-microsoft-com:vml" Requires="v">
-                <p:oleObj spid="_x0000_s1032" r:id="rId4" imgW="9843770" imgH="5170170" progId="Visio.Drawing.11">
+                <p:oleObj spid="_x0000_s1034" r:id="rId4" imgW="9843770" imgH="5170170" progId="Visio.Drawing.11">
                   <p:embed/>
                 </p:oleObj>
               </mc:Choice>
@@ -6864,7 +6864,7 @@
           <a:graphicData uri="http://schemas.openxmlformats.org/presentationml/2006/ole">
             <mc:AlternateContent xmlns:mc="http://schemas.openxmlformats.org/markup-compatibility/2006">
               <mc:Choice xmlns:v="urn:schemas-microsoft-com:vml" Requires="v">
-                <p:oleObj spid="_x0000_s2056" r:id="rId4" imgW="9843770" imgH="5170170" progId="Visio.Drawing.11">
+                <p:oleObj spid="_x0000_s2058" r:id="rId4" imgW="9843770" imgH="5170170" progId="Visio.Drawing.11">
                   <p:embed/>
                 </p:oleObj>
               </mc:Choice>
@@ -15947,7 +15947,7 @@
                   <a:srgbClr val="FF9900"/>
                 </a:solidFill>
               </a:rPr>
-              <a:t>1.1</a:t>
+              <a:t>12.30</a:t>
             </a:r>
           </a:p>
           <a:p>
@@ -21536,18 +21536,18 @@
 </file>
 
 <file path=customXml/item1.xml><?xml version="1.0" encoding="utf-8"?>
+<p:properties xmlns:p="http://schemas.microsoft.com/office/2006/metadata/properties" xmlns:xsi="http://www.w3.org/2001/XMLSchema-instance" xmlns:pc="http://schemas.microsoft.com/office/infopath/2007/PartnerControls">
+  <documentManagement/>
+</p:properties>
+</file>
+
+<file path=customXml/item2.xml><?xml version="1.0" encoding="utf-8"?>
 <?mso-contentType ?>
 <FormTemplates xmlns="http://schemas.microsoft.com/sharepoint/v3/contenttype/forms">
   <Display>DocumentLibraryForm</Display>
   <Edit>DocumentLibraryForm</Edit>
   <New>DocumentLibraryForm</New>
 </FormTemplates>
-</file>
-
-<file path=customXml/item2.xml><?xml version="1.0" encoding="utf-8"?>
-<p:properties xmlns:p="http://schemas.microsoft.com/office/2006/metadata/properties" xmlns:xsi="http://www.w3.org/2001/XMLSchema-instance" xmlns:pc="http://schemas.microsoft.com/office/infopath/2007/PartnerControls">
-  <documentManagement/>
-</p:properties>
 </file>
 
 <file path=customXml/item3.xml><?xml version="1.0" encoding="utf-8"?>
@@ -21600,14 +21600,6 @@
 </file>
 
 <file path=customXml/itemProps1.xml><?xml version="1.0" encoding="utf-8"?>
-<ds:datastoreItem xmlns:ds="http://schemas.openxmlformats.org/officeDocument/2006/customXml" ds:itemID="{1A855BF4-2A99-441B-9566-850307E4F0A5}">
-  <ds:schemaRefs>
-    <ds:schemaRef ds:uri="http://schemas.microsoft.com/sharepoint/v3/contenttype/forms"/>
-  </ds:schemaRefs>
-</ds:datastoreItem>
-</file>
-
-<file path=customXml/itemProps2.xml><?xml version="1.0" encoding="utf-8"?>
 <ds:datastoreItem xmlns:ds="http://schemas.openxmlformats.org/officeDocument/2006/customXml" ds:itemID="{091CAD78-C6F6-407D-A9D5-329355F07703}">
   <ds:schemaRefs>
     <ds:schemaRef ds:uri="http://purl.org/dc/elements/1.1/"/>
@@ -21618,6 +21610,14 @@
     <ds:schemaRef ds:uri="http://www.w3.org/XML/1998/namespace"/>
     <ds:schemaRef ds:uri="http://purl.org/dc/terms/"/>
     <ds:schemaRef ds:uri="http://schemas.microsoft.com/office/infopath/2007/PartnerControls"/>
+  </ds:schemaRefs>
+</ds:datastoreItem>
+</file>
+
+<file path=customXml/itemProps2.xml><?xml version="1.0" encoding="utf-8"?>
+<ds:datastoreItem xmlns:ds="http://schemas.openxmlformats.org/officeDocument/2006/customXml" ds:itemID="{1A855BF4-2A99-441B-9566-850307E4F0A5}">
+  <ds:schemaRefs>
+    <ds:schemaRef ds:uri="http://schemas.microsoft.com/sharepoint/v3/contenttype/forms"/>
   </ds:schemaRefs>
 </ds:datastoreItem>
 </file>
